--- a/S_RWD_Design_傅意茹.pptx
+++ b/S_RWD_Design_傅意茹.pptx
@@ -288,7 +288,7 @@
           <a:p>
             <a:fld id="{EB95710A-17DB-1E44-A310-102B1EEF3B47}" type="datetimeFigureOut">
               <a:rPr kumimoji="1" lang="zh-TW" altLang="en-US" smtClean="0"/>
-              <a:t>2016/5/17</a:t>
+              <a:t>2016/5/18</a:t>
             </a:fld>
             <a:endParaRPr kumimoji="1" lang="zh-TW" altLang="en-US"/>
           </a:p>
@@ -458,7 +458,7 @@
           <a:p>
             <a:fld id="{EB95710A-17DB-1E44-A310-102B1EEF3B47}" type="datetimeFigureOut">
               <a:rPr kumimoji="1" lang="zh-TW" altLang="en-US" smtClean="0"/>
-              <a:t>2016/5/17</a:t>
+              <a:t>2016/5/18</a:t>
             </a:fld>
             <a:endParaRPr kumimoji="1" lang="zh-TW" altLang="en-US"/>
           </a:p>
@@ -576,7 +576,7 @@
         </p:nvSpPr>
         <p:spPr>
           <a:xfrm>
-            <a:off x="25622" y="445214"/>
+            <a:off x="25626" y="445214"/>
             <a:ext cx="320945" cy="9487490"/>
           </a:xfrm>
         </p:spPr>
@@ -638,7 +638,7 @@
           <a:p>
             <a:fld id="{EB95710A-17DB-1E44-A310-102B1EEF3B47}" type="datetimeFigureOut">
               <a:rPr kumimoji="1" lang="zh-TW" altLang="en-US" smtClean="0"/>
-              <a:t>2016/5/17</a:t>
+              <a:t>2016/5/18</a:t>
             </a:fld>
             <a:endParaRPr kumimoji="1" lang="zh-TW" altLang="en-US"/>
           </a:p>
@@ -808,7 +808,7 @@
           <a:p>
             <a:fld id="{EB95710A-17DB-1E44-A310-102B1EEF3B47}" type="datetimeFigureOut">
               <a:rPr kumimoji="1" lang="zh-TW" altLang="en-US" smtClean="0"/>
-              <a:t>2016/5/17</a:t>
+              <a:t>2016/5/18</a:t>
             </a:fld>
             <a:endParaRPr kumimoji="1" lang="zh-TW" altLang="en-US"/>
           </a:p>
@@ -898,7 +898,7 @@
         </p:nvSpPr>
         <p:spPr>
           <a:xfrm>
-            <a:off x="121391" y="2267724"/>
+            <a:off x="121391" y="2267726"/>
             <a:ext cx="1306194" cy="700901"/>
           </a:xfrm>
         </p:spPr>
@@ -1054,7 +1054,7 @@
           <a:p>
             <a:fld id="{EB95710A-17DB-1E44-A310-102B1EEF3B47}" type="datetimeFigureOut">
               <a:rPr kumimoji="1" lang="zh-TW" altLang="en-US" smtClean="0"/>
-              <a:t>2016/5/17</a:t>
+              <a:t>2016/5/18</a:t>
             </a:fld>
             <a:endParaRPr kumimoji="1" lang="zh-TW" altLang="en-US"/>
           </a:p>
@@ -1167,7 +1167,7 @@
         </p:nvSpPr>
         <p:spPr>
           <a:xfrm>
-            <a:off x="25614" y="2594481"/>
+            <a:off x="25614" y="2594484"/>
             <a:ext cx="218234" cy="7338223"/>
           </a:xfrm>
         </p:spPr>
@@ -1252,7 +1252,7 @@
         </p:nvSpPr>
         <p:spPr>
           <a:xfrm>
-            <a:off x="269457" y="2594481"/>
+            <a:off x="269457" y="2594484"/>
             <a:ext cx="218234" cy="7338223"/>
           </a:xfrm>
         </p:spPr>
@@ -1342,7 +1342,7 @@
           <a:p>
             <a:fld id="{EB95710A-17DB-1E44-A310-102B1EEF3B47}" type="datetimeFigureOut">
               <a:rPr kumimoji="1" lang="zh-TW" altLang="en-US" smtClean="0"/>
-              <a:t>2016/5/17</a:t>
+              <a:t>2016/5/18</a:t>
             </a:fld>
             <a:endParaRPr kumimoji="1" lang="zh-TW" altLang="en-US"/>
           </a:p>
@@ -1432,8 +1432,8 @@
         </p:nvSpPr>
         <p:spPr>
           <a:xfrm>
-            <a:off x="76837" y="141328"/>
-            <a:ext cx="1383032" cy="588169"/>
+            <a:off x="76837" y="141331"/>
+            <a:ext cx="1383032" cy="588168"/>
           </a:xfrm>
         </p:spPr>
         <p:txBody>
@@ -1464,7 +1464,7 @@
         </p:nvSpPr>
         <p:spPr>
           <a:xfrm>
-            <a:off x="76837" y="789944"/>
+            <a:off x="76837" y="789945"/>
             <a:ext cx="678978" cy="329212"/>
           </a:xfrm>
         </p:spPr>
@@ -1529,7 +1529,7 @@
         </p:nvSpPr>
         <p:spPr>
           <a:xfrm>
-            <a:off x="76837" y="1119158"/>
+            <a:off x="76837" y="1119159"/>
             <a:ext cx="678978" cy="2033266"/>
           </a:xfrm>
         </p:spPr>
@@ -1614,7 +1614,7 @@
         </p:nvSpPr>
         <p:spPr>
           <a:xfrm>
-            <a:off x="780625" y="789944"/>
+            <a:off x="780625" y="789945"/>
             <a:ext cx="679242" cy="329212"/>
           </a:xfrm>
         </p:spPr>
@@ -1679,7 +1679,7 @@
         </p:nvSpPr>
         <p:spPr>
           <a:xfrm>
-            <a:off x="780625" y="1119158"/>
+            <a:off x="780625" y="1119159"/>
             <a:ext cx="679242" cy="2033266"/>
           </a:xfrm>
         </p:spPr>
@@ -1769,7 +1769,7 @@
           <a:p>
             <a:fld id="{EB95710A-17DB-1E44-A310-102B1EEF3B47}" type="datetimeFigureOut">
               <a:rPr kumimoji="1" lang="zh-TW" altLang="en-US" smtClean="0"/>
-              <a:t>2016/5/17</a:t>
+              <a:t>2016/5/18</a:t>
             </a:fld>
             <a:endParaRPr kumimoji="1" lang="zh-TW" altLang="en-US"/>
           </a:p>
@@ -1887,7 +1887,7 @@
           <a:p>
             <a:fld id="{EB95710A-17DB-1E44-A310-102B1EEF3B47}" type="datetimeFigureOut">
               <a:rPr kumimoji="1" lang="zh-TW" altLang="en-US" smtClean="0"/>
-              <a:t>2016/5/17</a:t>
+              <a:t>2016/5/18</a:t>
             </a:fld>
             <a:endParaRPr kumimoji="1" lang="zh-TW" altLang="en-US"/>
           </a:p>
@@ -1982,7 +1982,7 @@
           <a:p>
             <a:fld id="{EB95710A-17DB-1E44-A310-102B1EEF3B47}" type="datetimeFigureOut">
               <a:rPr kumimoji="1" lang="zh-TW" altLang="en-US" smtClean="0"/>
-              <a:t>2016/5/17</a:t>
+              <a:t>2016/5/18</a:t>
             </a:fld>
             <a:endParaRPr kumimoji="1" lang="zh-TW" altLang="en-US"/>
           </a:p>
@@ -2072,7 +2072,7 @@
         </p:nvSpPr>
         <p:spPr>
           <a:xfrm>
-            <a:off x="76846" y="140507"/>
+            <a:off x="76850" y="140510"/>
             <a:ext cx="505565" cy="597971"/>
           </a:xfrm>
         </p:spPr>
@@ -2104,7 +2104,7 @@
         </p:nvSpPr>
         <p:spPr>
           <a:xfrm>
-            <a:off x="600808" y="140512"/>
+            <a:off x="600808" y="140515"/>
             <a:ext cx="859058" cy="3011915"/>
           </a:xfrm>
         </p:spPr>
@@ -2189,7 +2189,7 @@
         </p:nvSpPr>
         <p:spPr>
           <a:xfrm>
-            <a:off x="76846" y="738479"/>
+            <a:off x="76850" y="738482"/>
             <a:ext cx="505565" cy="2413943"/>
           </a:xfrm>
         </p:spPr>
@@ -2259,7 +2259,7 @@
           <a:p>
             <a:fld id="{EB95710A-17DB-1E44-A310-102B1EEF3B47}" type="datetimeFigureOut">
               <a:rPr kumimoji="1" lang="zh-TW" altLang="en-US" smtClean="0"/>
-              <a:t>2016/5/17</a:t>
+              <a:t>2016/5/18</a:t>
             </a:fld>
             <a:endParaRPr kumimoji="1" lang="zh-TW" altLang="en-US"/>
           </a:p>
@@ -2350,7 +2350,7 @@
         <p:spPr>
           <a:xfrm>
             <a:off x="301205" y="2470310"/>
-            <a:ext cx="922020" cy="291635"/>
+            <a:ext cx="922020" cy="291636"/>
           </a:xfrm>
         </p:spPr>
         <p:txBody>
@@ -2443,7 +2443,7 @@
         <p:spPr>
           <a:xfrm>
             <a:off x="301205" y="2761946"/>
-            <a:ext cx="922020" cy="414169"/>
+            <a:ext cx="922020" cy="414170"/>
           </a:xfrm>
         </p:spPr>
         <p:txBody>
@@ -2512,7 +2512,7 @@
           <a:p>
             <a:fld id="{EB95710A-17DB-1E44-A310-102B1EEF3B47}" type="datetimeFigureOut">
               <a:rPr kumimoji="1" lang="zh-TW" altLang="en-US" smtClean="0"/>
-              <a:t>2016/5/17</a:t>
+              <a:t>2016/5/18</a:t>
             </a:fld>
             <a:endParaRPr kumimoji="1" lang="zh-TW" altLang="en-US"/>
           </a:p>
@@ -2607,8 +2607,8 @@
         </p:nvSpPr>
         <p:spPr>
           <a:xfrm>
-            <a:off x="76837" y="141328"/>
-            <a:ext cx="1383032" cy="588169"/>
+            <a:off x="76837" y="141331"/>
+            <a:ext cx="1383032" cy="588168"/>
           </a:xfrm>
           <a:prstGeom prst="rect">
             <a:avLst/>
@@ -2640,7 +2640,7 @@
         </p:nvSpPr>
         <p:spPr>
           <a:xfrm>
-            <a:off x="76837" y="823438"/>
+            <a:off x="76837" y="823440"/>
             <a:ext cx="1383032" cy="2328986"/>
           </a:xfrm>
           <a:prstGeom prst="rect">
@@ -2702,8 +2702,8 @@
         </p:nvSpPr>
         <p:spPr>
           <a:xfrm>
-            <a:off x="76836" y="3270878"/>
-            <a:ext cx="358566" cy="187887"/>
+            <a:off x="76836" y="3270880"/>
+            <a:ext cx="358566" cy="187888"/>
           </a:xfrm>
           <a:prstGeom prst="rect">
             <a:avLst/>
@@ -2725,7 +2725,7 @@
           <a:p>
             <a:fld id="{EB95710A-17DB-1E44-A310-102B1EEF3B47}" type="datetimeFigureOut">
               <a:rPr kumimoji="1" lang="zh-TW" altLang="en-US" smtClean="0"/>
-              <a:t>2016/5/17</a:t>
+              <a:t>2016/5/18</a:t>
             </a:fld>
             <a:endParaRPr kumimoji="1" lang="zh-TW" altLang="en-US"/>
           </a:p>
@@ -2743,8 +2743,8 @@
         </p:nvSpPr>
         <p:spPr>
           <a:xfrm>
-            <a:off x="525045" y="3270878"/>
-            <a:ext cx="486621" cy="187887"/>
+            <a:off x="525045" y="3270880"/>
+            <a:ext cx="486621" cy="187888"/>
           </a:xfrm>
           <a:prstGeom prst="rect">
             <a:avLst/>
@@ -2780,8 +2780,8 @@
         </p:nvSpPr>
         <p:spPr>
           <a:xfrm>
-            <a:off x="1101303" y="3270878"/>
-            <a:ext cx="358566" cy="187887"/>
+            <a:off x="1101303" y="3270880"/>
+            <a:ext cx="358566" cy="187888"/>
           </a:xfrm>
           <a:prstGeom prst="rect">
             <a:avLst/>
@@ -3102,14 +3102,14 @@
       </p:grpSpPr>
       <p:sp>
         <p:nvSpPr>
-          <p:cNvPr id="104" name="矩形 103"/>
+          <p:cNvPr id="63" name="矩形 62"/>
           <p:cNvSpPr/>
           <p:nvPr/>
         </p:nvSpPr>
         <p:spPr>
           <a:xfrm>
-            <a:off x="2" y="177879"/>
-            <a:ext cx="1535113" cy="964466"/>
+            <a:off x="-8796" y="896242"/>
+            <a:ext cx="1544615" cy="243544"/>
           </a:xfrm>
           <a:prstGeom prst="rect">
             <a:avLst/>
@@ -3150,13 +3150,13 @@
       </p:sp>
       <p:sp>
         <p:nvSpPr>
-          <p:cNvPr id="106" name="矩形 105"/>
+          <p:cNvPr id="64" name="矩形 63"/>
           <p:cNvSpPr/>
           <p:nvPr/>
         </p:nvSpPr>
         <p:spPr>
           <a:xfrm>
-            <a:off x="0" y="-2125"/>
+            <a:off x="0" y="-2124"/>
             <a:ext cx="1536700" cy="180001"/>
           </a:xfrm>
           <a:prstGeom prst="rect">
@@ -3195,7 +3195,7 @@
       </p:sp>
       <p:pic>
         <p:nvPicPr>
-          <p:cNvPr id="107" name="圖片 106" descr="pet_finder_logo.png"/>
+          <p:cNvPr id="65" name="圖片 64" descr="pet_finder_logo.png"/>
           <p:cNvPicPr>
             <a:picLocks noChangeAspect="1"/>
           </p:cNvPicPr>
@@ -3230,179 +3230,15 @@
           </a:prstGeom>
         </p:spPr>
       </p:pic>
-      <p:grpSp>
-        <p:nvGrpSpPr>
-          <p:cNvPr id="108" name="群組 107"/>
-          <p:cNvGrpSpPr/>
-          <p:nvPr/>
-        </p:nvGrpSpPr>
-        <p:grpSpPr>
-          <a:xfrm>
-            <a:off x="-1587" y="177875"/>
-            <a:ext cx="1538286" cy="720921"/>
-            <a:chOff x="-1587" y="177875"/>
-            <a:chExt cx="1538286" cy="720920"/>
-          </a:xfrm>
-        </p:grpSpPr>
-        <p:pic>
-          <p:nvPicPr>
-            <p:cNvPr id="109" name="圖片 108" descr="pexels-photo-31025.jpg"/>
-            <p:cNvPicPr>
-              <a:picLocks noChangeAspect="1"/>
-            </p:cNvPicPr>
-            <p:nvPr/>
-          </p:nvPicPr>
-          <p:blipFill rotWithShape="1">
-            <a:blip r:embed="rId3" cstate="email">
-              <a:extLst>
-                <a:ext uri="{28A0092B-C50C-407E-A947-70E740481C1C}">
-                  <a14:useLocalDpi xmlns:a14="http://schemas.microsoft.com/office/drawing/2010/main"/>
-                </a:ext>
-              </a:extLst>
-            </a:blip>
-            <a:srcRect l="34767" r="13083"/>
-            <a:stretch/>
-          </p:blipFill>
-          <p:spPr>
-            <a:xfrm>
-              <a:off x="0" y="177875"/>
-              <a:ext cx="1536699" cy="720920"/>
-            </a:xfrm>
-            <a:prstGeom prst="rect">
-              <a:avLst/>
-            </a:prstGeom>
-          </p:spPr>
-        </p:pic>
-        <p:sp>
-          <p:nvSpPr>
-            <p:cNvPr id="110" name="矩形 109"/>
-            <p:cNvSpPr>
-              <a:spLocks noChangeAspect="1"/>
-            </p:cNvSpPr>
-            <p:nvPr/>
-          </p:nvSpPr>
-          <p:spPr>
-            <a:xfrm>
-              <a:off x="-1587" y="177875"/>
-              <a:ext cx="1536700" cy="720920"/>
-            </a:xfrm>
-            <a:prstGeom prst="rect">
-              <a:avLst/>
-            </a:prstGeom>
-            <a:gradFill>
-              <a:gsLst>
-                <a:gs pos="0">
-                  <a:schemeClr val="tx1">
-                    <a:alpha val="50000"/>
-                  </a:schemeClr>
-                </a:gs>
-                <a:gs pos="100000">
-                  <a:schemeClr val="bg1">
-                    <a:alpha val="0"/>
-                  </a:schemeClr>
-                </a:gs>
-                <a:gs pos="46000">
-                  <a:schemeClr val="accent3">
-                    <a:lumMod val="75000"/>
-                    <a:alpha val="20000"/>
-                  </a:schemeClr>
-                </a:gs>
-              </a:gsLst>
-              <a:lin ang="3600000" scaled="0"/>
-            </a:gradFill>
-            <a:ln>
-              <a:noFill/>
-            </a:ln>
-          </p:spPr>
-          <p:style>
-            <a:lnRef idx="1">
-              <a:schemeClr val="accent1"/>
-            </a:lnRef>
-            <a:fillRef idx="3">
-              <a:schemeClr val="accent1"/>
-            </a:fillRef>
-            <a:effectRef idx="2">
-              <a:schemeClr val="accent1"/>
-            </a:effectRef>
-            <a:fontRef idx="minor">
-              <a:schemeClr val="lt1"/>
-            </a:fontRef>
-          </p:style>
-          <p:txBody>
-            <a:bodyPr rtlCol="0" anchor="ctr"/>
-            <a:lstStyle/>
-            <a:p>
-              <a:pPr algn="ctr"/>
-              <a:endParaRPr kumimoji="1" lang="zh-TW" altLang="en-US" dirty="0"/>
-            </a:p>
-          </p:txBody>
-        </p:sp>
-        <p:sp>
-          <p:nvSpPr>
-            <p:cNvPr id="111" name="文字方塊 110"/>
-            <p:cNvSpPr txBox="1"/>
-            <p:nvPr/>
-          </p:nvSpPr>
-          <p:spPr>
-            <a:xfrm>
-              <a:off x="38987" y="307504"/>
-              <a:ext cx="898992" cy="466441"/>
-            </a:xfrm>
-            <a:prstGeom prst="rect">
-              <a:avLst/>
-            </a:prstGeom>
-            <a:noFill/>
-          </p:spPr>
-          <p:txBody>
-            <a:bodyPr wrap="none" rtlCol="0">
-              <a:spAutoFit/>
-            </a:bodyPr>
-            <a:lstStyle/>
-            <a:p>
-              <a:r>
-                <a:rPr lang="en-US" altLang="zh-TW" sz="1200" b="1" i="1" dirty="0">
-                  <a:solidFill>
-                    <a:srgbClr val="E8DDCF"/>
-                  </a:solidFill>
-                </a:rPr>
-                <a:t>Adopt</a:t>
-              </a:r>
-              <a:r>
-                <a:rPr lang="en-US" altLang="zh-TW" sz="1200" b="1" i="1" dirty="0" smtClean="0">
-                  <a:solidFill>
-                    <a:srgbClr val="E8DDCF"/>
-                  </a:solidFill>
-                </a:rPr>
-                <a:t>,</a:t>
-              </a:r>
-            </a:p>
-            <a:p>
-              <a:r>
-                <a:rPr lang="en-US" altLang="zh-TW" sz="1200" b="1" i="1" dirty="0" smtClean="0">
-                  <a:solidFill>
-                    <a:srgbClr val="E8DDCF"/>
-                  </a:solidFill>
-                </a:rPr>
-                <a:t>Don't Buy! </a:t>
-              </a:r>
-              <a:endParaRPr kumimoji="1" lang="zh-TW" altLang="en-US" sz="1200" b="1" i="1" dirty="0">
-                <a:solidFill>
-                  <a:srgbClr val="E8DDCF"/>
-                </a:solidFill>
-              </a:endParaRPr>
-            </a:p>
-          </p:txBody>
-        </p:sp>
-      </p:grpSp>
-      <p:sp>
-        <p:nvSpPr>
-          <p:cNvPr id="112" name="矩形 111"/>
+      <p:sp>
+        <p:nvSpPr>
+          <p:cNvPr id="66" name="矩形 65"/>
           <p:cNvSpPr/>
           <p:nvPr/>
         </p:nvSpPr>
         <p:spPr>
           <a:xfrm>
-            <a:off x="-1587" y="1142344"/>
+            <a:off x="-883" y="1139785"/>
             <a:ext cx="1536700" cy="2221685"/>
           </a:xfrm>
           <a:prstGeom prst="rect">
@@ -3444,14 +3280,14 @@
       </p:sp>
       <p:pic>
         <p:nvPicPr>
-          <p:cNvPr id="113" name="圖片 112" descr="pexels-photo.jpg"/>
+          <p:cNvPr id="67" name="圖片 66" descr="pexels-photo.jpg"/>
           <p:cNvPicPr>
             <a:picLocks noChangeAspect="1"/>
           </p:cNvPicPr>
           <p:nvPr/>
         </p:nvPicPr>
         <p:blipFill rotWithShape="1">
-          <a:blip r:embed="rId4" cstate="email">
+          <a:blip r:embed="rId3" cstate="email">
             <a:extLst>
               <a:ext uri="{28A0092B-C50C-407E-A947-70E740481C1C}">
                 <a14:useLocalDpi xmlns:a14="http://schemas.microsoft.com/office/drawing/2010/main"/>
@@ -3463,7 +3299,7 @@
         </p:blipFill>
         <p:spPr>
           <a:xfrm>
-            <a:off x="92333" y="1216934"/>
+            <a:off x="93037" y="1214374"/>
             <a:ext cx="447548" cy="432000"/>
           </a:xfrm>
           <a:prstGeom prst="rect">
@@ -3473,7 +3309,37 @@
       </p:pic>
       <p:pic>
         <p:nvPicPr>
-          <p:cNvPr id="114" name="圖片 113" descr="icon_Facebook.png"/>
+          <p:cNvPr id="68" name="圖片 67" descr="icon_Facebook.png"/>
+          <p:cNvPicPr>
+            <a:picLocks noChangeAspect="1"/>
+          </p:cNvPicPr>
+          <p:nvPr/>
+        </p:nvPicPr>
+        <p:blipFill>
+          <a:blip r:embed="rId4">
+            <a:extLst>
+              <a:ext uri="{28A0092B-C50C-407E-A947-70E740481C1C}">
+                <a14:useLocalDpi xmlns:a14="http://schemas.microsoft.com/office/drawing/2010/main" val="0"/>
+              </a:ext>
+            </a:extLst>
+          </a:blip>
+          <a:stretch>
+            <a:fillRect/>
+          </a:stretch>
+        </p:blipFill>
+        <p:spPr>
+          <a:xfrm>
+            <a:off x="183976" y="917532"/>
+            <a:ext cx="200959" cy="200958"/>
+          </a:xfrm>
+          <a:prstGeom prst="rect">
+            <a:avLst/>
+          </a:prstGeom>
+        </p:spPr>
+      </p:pic>
+      <p:pic>
+        <p:nvPicPr>
+          <p:cNvPr id="69" name="圖片 68" descr="icon_Instagram.png"/>
           <p:cNvPicPr>
             <a:picLocks noChangeAspect="1"/>
           </p:cNvPicPr>
@@ -3493,7 +3359,7 @@
         </p:blipFill>
         <p:spPr>
           <a:xfrm>
-            <a:off x="183270" y="920092"/>
+            <a:off x="667785" y="917532"/>
             <a:ext cx="200959" cy="200958"/>
           </a:xfrm>
           <a:prstGeom prst="rect">
@@ -3503,7 +3369,7 @@
       </p:pic>
       <p:pic>
         <p:nvPicPr>
-          <p:cNvPr id="115" name="圖片 114" descr="icon_Instagram.png"/>
+          <p:cNvPr id="70" name="圖片 69" descr="icon_Twitter.png"/>
           <p:cNvPicPr>
             <a:picLocks noChangeAspect="1"/>
           </p:cNvPicPr>
@@ -3523,7 +3389,7 @@
         </p:blipFill>
         <p:spPr>
           <a:xfrm>
-            <a:off x="667079" y="920092"/>
+            <a:off x="1151593" y="917532"/>
             <a:ext cx="200959" cy="200958"/>
           </a:xfrm>
           <a:prstGeom prst="rect">
@@ -3533,28 +3399,27 @@
       </p:pic>
       <p:pic>
         <p:nvPicPr>
-          <p:cNvPr id="116" name="圖片 115" descr="icon_Twitter.png"/>
+          <p:cNvPr id="71" name="圖片 70" descr="garden-dog-pet.jpg"/>
           <p:cNvPicPr>
             <a:picLocks noChangeAspect="1"/>
           </p:cNvPicPr>
           <p:nvPr/>
         </p:nvPicPr>
-        <p:blipFill>
-          <a:blip r:embed="rId7">
+        <p:blipFill rotWithShape="1">
+          <a:blip r:embed="rId7" cstate="email">
             <a:extLst>
               <a:ext uri="{28A0092B-C50C-407E-A947-70E740481C1C}">
-                <a14:useLocalDpi xmlns:a14="http://schemas.microsoft.com/office/drawing/2010/main" val="0"/>
+                <a14:useLocalDpi xmlns:a14="http://schemas.microsoft.com/office/drawing/2010/main"/>
               </a:ext>
             </a:extLst>
           </a:blip>
-          <a:stretch>
-            <a:fillRect/>
-          </a:stretch>
+          <a:srcRect/>
+          <a:stretch/>
         </p:blipFill>
         <p:spPr>
           <a:xfrm>
-            <a:off x="1150887" y="920092"/>
-            <a:ext cx="200959" cy="200958"/>
+            <a:off x="90260" y="2863987"/>
+            <a:ext cx="450887" cy="432000"/>
           </a:xfrm>
           <a:prstGeom prst="rect">
             <a:avLst/>
@@ -3563,7 +3428,7 @@
       </p:pic>
       <p:pic>
         <p:nvPicPr>
-          <p:cNvPr id="117" name="圖片 116" descr="garden-dog-pet.jpg"/>
+          <p:cNvPr id="72" name="圖片 71" descr="pexels-photo2.jpg"/>
           <p:cNvPicPr>
             <a:picLocks noChangeAspect="1"/>
           </p:cNvPicPr>
@@ -3582,8 +3447,8 @@
         </p:blipFill>
         <p:spPr>
           <a:xfrm>
-            <a:off x="89554" y="2866547"/>
-            <a:ext cx="450887" cy="432000"/>
+            <a:off x="93493" y="2323988"/>
+            <a:ext cx="447548" cy="432000"/>
           </a:xfrm>
           <a:prstGeom prst="rect">
             <a:avLst/>
@@ -3592,7 +3457,7 @@
       </p:pic>
       <p:pic>
         <p:nvPicPr>
-          <p:cNvPr id="118" name="圖片 117" descr="pexels-photo2.jpg"/>
+          <p:cNvPr id="73" name="圖片 72" descr="pexels-photo-51439.jpg"/>
           <p:cNvPicPr>
             <a:picLocks noChangeAspect="1"/>
           </p:cNvPicPr>
@@ -3611,52 +3476,23 @@
         </p:blipFill>
         <p:spPr>
           <a:xfrm>
-            <a:off x="92789" y="2326547"/>
-            <a:ext cx="447548" cy="432000"/>
+            <a:off x="93037" y="1778221"/>
+            <a:ext cx="448096" cy="432000"/>
           </a:xfrm>
           <a:prstGeom prst="rect">
             <a:avLst/>
           </a:prstGeom>
         </p:spPr>
       </p:pic>
-      <p:pic>
-        <p:nvPicPr>
-          <p:cNvPr id="119" name="圖片 118" descr="pexels-photo-51439.jpg"/>
-          <p:cNvPicPr>
-            <a:picLocks noChangeAspect="1"/>
-          </p:cNvPicPr>
-          <p:nvPr/>
-        </p:nvPicPr>
-        <p:blipFill rotWithShape="1">
-          <a:blip r:embed="rId10" cstate="email">
-            <a:extLst>
-              <a:ext uri="{28A0092B-C50C-407E-A947-70E740481C1C}">
-                <a14:useLocalDpi xmlns:a14="http://schemas.microsoft.com/office/drawing/2010/main"/>
-              </a:ext>
-            </a:extLst>
-          </a:blip>
-          <a:srcRect/>
-          <a:stretch/>
-        </p:blipFill>
-        <p:spPr>
-          <a:xfrm>
-            <a:off x="92333" y="1780781"/>
-            <a:ext cx="448096" cy="432000"/>
-          </a:xfrm>
-          <a:prstGeom prst="rect">
-            <a:avLst/>
-          </a:prstGeom>
-        </p:spPr>
-      </p:pic>
-      <p:sp>
-        <p:nvSpPr>
-          <p:cNvPr id="120" name="文字方塊 119"/>
+      <p:sp>
+        <p:nvSpPr>
+          <p:cNvPr id="74" name="文字方塊 73"/>
           <p:cNvSpPr txBox="1"/>
           <p:nvPr/>
         </p:nvSpPr>
         <p:spPr>
           <a:xfrm>
-            <a:off x="534468" y="1155271"/>
+            <a:off x="535172" y="1152711"/>
             <a:ext cx="1291298" cy="230832"/>
           </a:xfrm>
           <a:prstGeom prst="rect">
@@ -3692,14 +3528,14 @@
       </p:sp>
       <p:sp>
         <p:nvSpPr>
-          <p:cNvPr id="121" name="文字方塊 120"/>
+          <p:cNvPr id="75" name="文字方塊 74"/>
           <p:cNvSpPr txBox="1"/>
           <p:nvPr/>
         </p:nvSpPr>
         <p:spPr>
           <a:xfrm>
-            <a:off x="534468" y="1293772"/>
-            <a:ext cx="1438534" cy="202125"/>
+            <a:off x="548756" y="1298004"/>
+            <a:ext cx="1438534" cy="200055"/>
           </a:xfrm>
           <a:prstGeom prst="rect">
             <a:avLst/>
@@ -3735,13 +3571,13 @@
       </p:sp>
       <p:sp>
         <p:nvSpPr>
-          <p:cNvPr id="122" name="圓角矩形 121"/>
+          <p:cNvPr id="76" name="圓角矩形 75"/>
           <p:cNvSpPr/>
           <p:nvPr/>
         </p:nvSpPr>
         <p:spPr>
           <a:xfrm>
-            <a:off x="620364" y="1493825"/>
+            <a:off x="621068" y="1491265"/>
             <a:ext cx="610620" cy="117208"/>
           </a:xfrm>
           <a:prstGeom prst="roundRect">
@@ -3860,13 +3696,13 @@
       </p:sp>
       <p:sp>
         <p:nvSpPr>
-          <p:cNvPr id="123" name="文字方塊 122"/>
+          <p:cNvPr id="77" name="文字方塊 76"/>
           <p:cNvSpPr txBox="1"/>
           <p:nvPr/>
         </p:nvSpPr>
         <p:spPr>
           <a:xfrm>
-            <a:off x="534012" y="1719118"/>
+            <a:off x="534716" y="1716558"/>
             <a:ext cx="1291298" cy="230832"/>
           </a:xfrm>
           <a:prstGeom prst="rect">
@@ -3902,14 +3738,14 @@
       </p:sp>
       <p:sp>
         <p:nvSpPr>
-          <p:cNvPr id="124" name="文字方塊 123"/>
+          <p:cNvPr id="78" name="文字方塊 77"/>
           <p:cNvSpPr txBox="1"/>
           <p:nvPr/>
         </p:nvSpPr>
         <p:spPr>
           <a:xfrm>
-            <a:off x="534012" y="1857618"/>
-            <a:ext cx="1438534" cy="202125"/>
+            <a:off x="548300" y="1861850"/>
+            <a:ext cx="1438534" cy="200055"/>
           </a:xfrm>
           <a:prstGeom prst="rect">
             <a:avLst/>
@@ -3945,13 +3781,13 @@
       </p:sp>
       <p:sp>
         <p:nvSpPr>
-          <p:cNvPr id="125" name="圓角矩形 124"/>
+          <p:cNvPr id="79" name="圓角矩形 78"/>
           <p:cNvSpPr/>
           <p:nvPr/>
         </p:nvSpPr>
         <p:spPr>
           <a:xfrm>
-            <a:off x="619908" y="2057671"/>
+            <a:off x="620612" y="2055111"/>
             <a:ext cx="610620" cy="117208"/>
           </a:xfrm>
           <a:prstGeom prst="roundRect">
@@ -4070,13 +3906,13 @@
       </p:sp>
       <p:sp>
         <p:nvSpPr>
-          <p:cNvPr id="126" name="文字方塊 125"/>
+          <p:cNvPr id="80" name="文字方塊 79"/>
           <p:cNvSpPr txBox="1"/>
           <p:nvPr/>
         </p:nvSpPr>
         <p:spPr>
           <a:xfrm>
-            <a:off x="534012" y="2264884"/>
+            <a:off x="534716" y="2262324"/>
             <a:ext cx="1291298" cy="230832"/>
           </a:xfrm>
           <a:prstGeom prst="rect">
@@ -4112,13 +3948,13 @@
       </p:sp>
       <p:sp>
         <p:nvSpPr>
-          <p:cNvPr id="127" name="文字方塊 126"/>
+          <p:cNvPr id="81" name="文字方塊 80"/>
           <p:cNvSpPr txBox="1"/>
           <p:nvPr/>
         </p:nvSpPr>
         <p:spPr>
           <a:xfrm>
-            <a:off x="534012" y="2403388"/>
+            <a:off x="548300" y="2407620"/>
             <a:ext cx="1438534" cy="200055"/>
           </a:xfrm>
           <a:prstGeom prst="rect">
@@ -4155,13 +3991,13 @@
       </p:sp>
       <p:sp>
         <p:nvSpPr>
-          <p:cNvPr id="128" name="圓角矩形 127"/>
+          <p:cNvPr id="82" name="圓角矩形 81"/>
           <p:cNvSpPr/>
           <p:nvPr/>
         </p:nvSpPr>
         <p:spPr>
           <a:xfrm>
-            <a:off x="619908" y="2603438"/>
+            <a:off x="620612" y="2600878"/>
             <a:ext cx="610620" cy="117208"/>
           </a:xfrm>
           <a:prstGeom prst="roundRect">
@@ -4280,13 +4116,13 @@
       </p:sp>
       <p:sp>
         <p:nvSpPr>
-          <p:cNvPr id="129" name="文字方塊 128"/>
+          <p:cNvPr id="83" name="文字方塊 82"/>
           <p:cNvSpPr txBox="1"/>
           <p:nvPr/>
         </p:nvSpPr>
         <p:spPr>
           <a:xfrm>
-            <a:off x="539632" y="2803442"/>
+            <a:off x="540336" y="2800882"/>
             <a:ext cx="1291298" cy="230832"/>
           </a:xfrm>
           <a:prstGeom prst="rect">
@@ -4322,13 +4158,13 @@
       </p:sp>
       <p:sp>
         <p:nvSpPr>
-          <p:cNvPr id="130" name="文字方塊 129"/>
+          <p:cNvPr id="84" name="文字方塊 83"/>
           <p:cNvSpPr txBox="1"/>
           <p:nvPr/>
         </p:nvSpPr>
         <p:spPr>
           <a:xfrm>
-            <a:off x="539632" y="2941946"/>
+            <a:off x="553920" y="2946178"/>
             <a:ext cx="1438534" cy="200055"/>
           </a:xfrm>
           <a:prstGeom prst="rect">
@@ -4365,13 +4201,13 @@
       </p:sp>
       <p:sp>
         <p:nvSpPr>
-          <p:cNvPr id="131" name="圓角矩形 130"/>
+          <p:cNvPr id="85" name="圓角矩形 84"/>
           <p:cNvSpPr/>
           <p:nvPr/>
         </p:nvSpPr>
         <p:spPr>
           <a:xfrm>
-            <a:off x="625528" y="3141996"/>
+            <a:off x="626232" y="3139436"/>
             <a:ext cx="610620" cy="117208"/>
           </a:xfrm>
           <a:prstGeom prst="roundRect">
@@ -4490,13 +4326,13 @@
       </p:sp>
       <p:sp>
         <p:nvSpPr>
-          <p:cNvPr id="132" name="矩形 131"/>
+          <p:cNvPr id="86" name="矩形 85"/>
           <p:cNvSpPr/>
           <p:nvPr/>
         </p:nvSpPr>
         <p:spPr>
           <a:xfrm>
-            <a:off x="0" y="3366931"/>
+            <a:off x="7496" y="3364372"/>
             <a:ext cx="1542826" cy="166374"/>
           </a:xfrm>
           <a:prstGeom prst="rect">
@@ -4535,13 +4371,13 @@
       </p:sp>
       <p:sp>
         <p:nvSpPr>
-          <p:cNvPr id="133" name="文字方塊 132"/>
+          <p:cNvPr id="87" name="文字方塊 86"/>
           <p:cNvSpPr txBox="1"/>
           <p:nvPr/>
         </p:nvSpPr>
         <p:spPr>
           <a:xfrm>
-            <a:off x="-9500" y="3366932"/>
+            <a:off x="-2004" y="3364373"/>
             <a:ext cx="676579" cy="169277"/>
           </a:xfrm>
           <a:prstGeom prst="rect">
@@ -4583,13 +4419,13 @@
       </p:sp>
       <p:sp>
         <p:nvSpPr>
-          <p:cNvPr id="134" name="文字方塊 133"/>
+          <p:cNvPr id="88" name="文字方塊 87"/>
           <p:cNvSpPr txBox="1"/>
           <p:nvPr/>
         </p:nvSpPr>
         <p:spPr>
           <a:xfrm>
-            <a:off x="619908" y="3364031"/>
+            <a:off x="627406" y="3361472"/>
             <a:ext cx="947891" cy="169277"/>
           </a:xfrm>
           <a:prstGeom prst="rect">
@@ -4626,7 +4462,37 @@
       </p:sp>
       <p:pic>
         <p:nvPicPr>
-          <p:cNvPr id="135" name="圖片 134" descr="1463483461_menu-alt.png"/>
+          <p:cNvPr id="89" name="圖片 88" descr="1463483461_menu-alt.png"/>
+          <p:cNvPicPr>
+            <a:picLocks noChangeAspect="1"/>
+          </p:cNvPicPr>
+          <p:nvPr/>
+        </p:nvPicPr>
+        <p:blipFill>
+          <a:blip r:embed="rId10">
+            <a:extLst>
+              <a:ext uri="{28A0092B-C50C-407E-A947-70E740481C1C}">
+                <a14:useLocalDpi xmlns:a14="http://schemas.microsoft.com/office/drawing/2010/main" val="0"/>
+              </a:ext>
+            </a:extLst>
+          </a:blip>
+          <a:stretch>
+            <a:fillRect/>
+          </a:stretch>
+        </p:blipFill>
+        <p:spPr>
+          <a:xfrm>
+            <a:off x="92333" y="15876"/>
+            <a:ext cx="144000" cy="143999"/>
+          </a:xfrm>
+          <a:prstGeom prst="rect">
+            <a:avLst/>
+          </a:prstGeom>
+        </p:spPr>
+      </p:pic>
+      <p:pic>
+        <p:nvPicPr>
+          <p:cNvPr id="90" name="圖片 89" descr="1463485615_Find01.png"/>
           <p:cNvPicPr>
             <a:picLocks noChangeAspect="1"/>
           </p:cNvPicPr>
@@ -4646,8 +4512,8 @@
         </p:blipFill>
         <p:spPr>
           <a:xfrm>
-            <a:off x="92333" y="15876"/>
-            <a:ext cx="144000" cy="143999"/>
+            <a:off x="1290718" y="15875"/>
+            <a:ext cx="144000" cy="144000"/>
           </a:xfrm>
           <a:prstGeom prst="rect">
             <a:avLst/>
@@ -4656,7 +4522,7 @@
       </p:pic>
       <p:pic>
         <p:nvPicPr>
-          <p:cNvPr id="4" name="圖片 3" descr="1463485615_Find01.png"/>
+          <p:cNvPr id="3" name="圖片 2" descr="bg_sliderbox_s.jpeg"/>
           <p:cNvPicPr>
             <a:picLocks noChangeAspect="1"/>
           </p:cNvPicPr>
@@ -4676,8 +4542,8 @@
         </p:blipFill>
         <p:spPr>
           <a:xfrm>
-            <a:off x="1290718" y="15875"/>
-            <a:ext cx="144000" cy="144000"/>
+            <a:off x="268" y="177877"/>
+            <a:ext cx="1536700" cy="715526"/>
           </a:xfrm>
           <a:prstGeom prst="rect">
             <a:avLst/>

--- a/S_RWD_Design_傅意茹.pptx
+++ b/S_RWD_Design_傅意茹.pptx
@@ -288,7 +288,7 @@
           <a:p>
             <a:fld id="{EB95710A-17DB-1E44-A310-102B1EEF3B47}" type="datetimeFigureOut">
               <a:rPr kumimoji="1" lang="zh-TW" altLang="en-US" smtClean="0"/>
-              <a:t>2016/5/18</a:t>
+              <a:t>2016/5/21</a:t>
             </a:fld>
             <a:endParaRPr kumimoji="1" lang="zh-TW" altLang="en-US"/>
           </a:p>
@@ -458,7 +458,7 @@
           <a:p>
             <a:fld id="{EB95710A-17DB-1E44-A310-102B1EEF3B47}" type="datetimeFigureOut">
               <a:rPr kumimoji="1" lang="zh-TW" altLang="en-US" smtClean="0"/>
-              <a:t>2016/5/18</a:t>
+              <a:t>2016/5/21</a:t>
             </a:fld>
             <a:endParaRPr kumimoji="1" lang="zh-TW" altLang="en-US"/>
           </a:p>
@@ -638,7 +638,7 @@
           <a:p>
             <a:fld id="{EB95710A-17DB-1E44-A310-102B1EEF3B47}" type="datetimeFigureOut">
               <a:rPr kumimoji="1" lang="zh-TW" altLang="en-US" smtClean="0"/>
-              <a:t>2016/5/18</a:t>
+              <a:t>2016/5/21</a:t>
             </a:fld>
             <a:endParaRPr kumimoji="1" lang="zh-TW" altLang="en-US"/>
           </a:p>
@@ -808,7 +808,7 @@
           <a:p>
             <a:fld id="{EB95710A-17DB-1E44-A310-102B1EEF3B47}" type="datetimeFigureOut">
               <a:rPr kumimoji="1" lang="zh-TW" altLang="en-US" smtClean="0"/>
-              <a:t>2016/5/18</a:t>
+              <a:t>2016/5/21</a:t>
             </a:fld>
             <a:endParaRPr kumimoji="1" lang="zh-TW" altLang="en-US"/>
           </a:p>
@@ -1054,7 +1054,7 @@
           <a:p>
             <a:fld id="{EB95710A-17DB-1E44-A310-102B1EEF3B47}" type="datetimeFigureOut">
               <a:rPr kumimoji="1" lang="zh-TW" altLang="en-US" smtClean="0"/>
-              <a:t>2016/5/18</a:t>
+              <a:t>2016/5/21</a:t>
             </a:fld>
             <a:endParaRPr kumimoji="1" lang="zh-TW" altLang="en-US"/>
           </a:p>
@@ -1342,7 +1342,7 @@
           <a:p>
             <a:fld id="{EB95710A-17DB-1E44-A310-102B1EEF3B47}" type="datetimeFigureOut">
               <a:rPr kumimoji="1" lang="zh-TW" altLang="en-US" smtClean="0"/>
-              <a:t>2016/5/18</a:t>
+              <a:t>2016/5/21</a:t>
             </a:fld>
             <a:endParaRPr kumimoji="1" lang="zh-TW" altLang="en-US"/>
           </a:p>
@@ -1769,7 +1769,7 @@
           <a:p>
             <a:fld id="{EB95710A-17DB-1E44-A310-102B1EEF3B47}" type="datetimeFigureOut">
               <a:rPr kumimoji="1" lang="zh-TW" altLang="en-US" smtClean="0"/>
-              <a:t>2016/5/18</a:t>
+              <a:t>2016/5/21</a:t>
             </a:fld>
             <a:endParaRPr kumimoji="1" lang="zh-TW" altLang="en-US"/>
           </a:p>
@@ -1887,7 +1887,7 @@
           <a:p>
             <a:fld id="{EB95710A-17DB-1E44-A310-102B1EEF3B47}" type="datetimeFigureOut">
               <a:rPr kumimoji="1" lang="zh-TW" altLang="en-US" smtClean="0"/>
-              <a:t>2016/5/18</a:t>
+              <a:t>2016/5/21</a:t>
             </a:fld>
             <a:endParaRPr kumimoji="1" lang="zh-TW" altLang="en-US"/>
           </a:p>
@@ -1982,7 +1982,7 @@
           <a:p>
             <a:fld id="{EB95710A-17DB-1E44-A310-102B1EEF3B47}" type="datetimeFigureOut">
               <a:rPr kumimoji="1" lang="zh-TW" altLang="en-US" smtClean="0"/>
-              <a:t>2016/5/18</a:t>
+              <a:t>2016/5/21</a:t>
             </a:fld>
             <a:endParaRPr kumimoji="1" lang="zh-TW" altLang="en-US"/>
           </a:p>
@@ -2259,7 +2259,7 @@
           <a:p>
             <a:fld id="{EB95710A-17DB-1E44-A310-102B1EEF3B47}" type="datetimeFigureOut">
               <a:rPr kumimoji="1" lang="zh-TW" altLang="en-US" smtClean="0"/>
-              <a:t>2016/5/18</a:t>
+              <a:t>2016/5/21</a:t>
             </a:fld>
             <a:endParaRPr kumimoji="1" lang="zh-TW" altLang="en-US"/>
           </a:p>
@@ -2512,7 +2512,7 @@
           <a:p>
             <a:fld id="{EB95710A-17DB-1E44-A310-102B1EEF3B47}" type="datetimeFigureOut">
               <a:rPr kumimoji="1" lang="zh-TW" altLang="en-US" smtClean="0"/>
-              <a:t>2016/5/18</a:t>
+              <a:t>2016/5/21</a:t>
             </a:fld>
             <a:endParaRPr kumimoji="1" lang="zh-TW" altLang="en-US"/>
           </a:p>
@@ -2725,7 +2725,7 @@
           <a:p>
             <a:fld id="{EB95710A-17DB-1E44-A310-102B1EEF3B47}" type="datetimeFigureOut">
               <a:rPr kumimoji="1" lang="zh-TW" altLang="en-US" smtClean="0"/>
-              <a:t>2016/5/18</a:t>
+              <a:t>2016/5/21</a:t>
             </a:fld>
             <a:endParaRPr kumimoji="1" lang="zh-TW" altLang="en-US"/>
           </a:p>
@@ -3280,35 +3280,6 @@
       </p:sp>
       <p:pic>
         <p:nvPicPr>
-          <p:cNvPr id="67" name="圖片 66" descr="pexels-photo.jpg"/>
-          <p:cNvPicPr>
-            <a:picLocks noChangeAspect="1"/>
-          </p:cNvPicPr>
-          <p:nvPr/>
-        </p:nvPicPr>
-        <p:blipFill rotWithShape="1">
-          <a:blip r:embed="rId3" cstate="email">
-            <a:extLst>
-              <a:ext uri="{28A0092B-C50C-407E-A947-70E740481C1C}">
-                <a14:useLocalDpi xmlns:a14="http://schemas.microsoft.com/office/drawing/2010/main"/>
-              </a:ext>
-            </a:extLst>
-          </a:blip>
-          <a:srcRect/>
-          <a:stretch/>
-        </p:blipFill>
-        <p:spPr>
-          <a:xfrm>
-            <a:off x="93037" y="1214374"/>
-            <a:ext cx="447548" cy="432000"/>
-          </a:xfrm>
-          <a:prstGeom prst="rect">
-            <a:avLst/>
-          </a:prstGeom>
-        </p:spPr>
-      </p:pic>
-      <p:pic>
-        <p:nvPicPr>
           <p:cNvPr id="68" name="圖片 67" descr="icon_Facebook.png"/>
           <p:cNvPicPr>
             <a:picLocks noChangeAspect="1"/>
@@ -3316,7 +3287,7 @@
           <p:nvPr/>
         </p:nvPicPr>
         <p:blipFill>
-          <a:blip r:embed="rId4">
+          <a:blip r:embed="rId3">
             <a:extLst>
               <a:ext uri="{28A0092B-C50C-407E-A947-70E740481C1C}">
                 <a14:useLocalDpi xmlns:a14="http://schemas.microsoft.com/office/drawing/2010/main" val="0"/>
@@ -3346,7 +3317,7 @@
           <p:nvPr/>
         </p:nvPicPr>
         <p:blipFill>
-          <a:blip r:embed="rId5">
+          <a:blip r:embed="rId4">
             <a:extLst>
               <a:ext uri="{28A0092B-C50C-407E-A947-70E740481C1C}">
                 <a14:useLocalDpi xmlns:a14="http://schemas.microsoft.com/office/drawing/2010/main" val="0"/>
@@ -3376,7 +3347,7 @@
           <p:nvPr/>
         </p:nvPicPr>
         <p:blipFill>
-          <a:blip r:embed="rId6">
+          <a:blip r:embed="rId5">
             <a:extLst>
               <a:ext uri="{28A0092B-C50C-407E-A947-70E740481C1C}">
                 <a14:useLocalDpi xmlns:a14="http://schemas.microsoft.com/office/drawing/2010/main" val="0"/>
@@ -3397,555 +3368,472 @@
           </a:prstGeom>
         </p:spPr>
       </p:pic>
-      <p:pic>
-        <p:nvPicPr>
-          <p:cNvPr id="71" name="圖片 70" descr="garden-dog-pet.jpg"/>
-          <p:cNvPicPr>
-            <a:picLocks noChangeAspect="1"/>
-          </p:cNvPicPr>
+      <p:grpSp>
+        <p:nvGrpSpPr>
+          <p:cNvPr id="2" name="群組 1"/>
+          <p:cNvGrpSpPr/>
           <p:nvPr/>
-        </p:nvPicPr>
-        <p:blipFill rotWithShape="1">
-          <a:blip r:embed="rId7" cstate="email">
-            <a:extLst>
-              <a:ext uri="{28A0092B-C50C-407E-A947-70E740481C1C}">
-                <a14:useLocalDpi xmlns:a14="http://schemas.microsoft.com/office/drawing/2010/main"/>
-              </a:ext>
-            </a:extLst>
-          </a:blip>
-          <a:srcRect/>
-          <a:stretch/>
-        </p:blipFill>
-        <p:spPr>
+        </p:nvGrpSpPr>
+        <p:grpSpPr>
           <a:xfrm>
-            <a:off x="90260" y="2863987"/>
-            <a:ext cx="450887" cy="432000"/>
+            <a:off x="93037" y="1152711"/>
+            <a:ext cx="1894253" cy="493663"/>
+            <a:chOff x="93037" y="1152711"/>
+            <a:chExt cx="1894253" cy="493663"/>
           </a:xfrm>
-          <a:prstGeom prst="rect">
-            <a:avLst/>
-          </a:prstGeom>
-        </p:spPr>
-      </p:pic>
-      <p:pic>
-        <p:nvPicPr>
-          <p:cNvPr id="72" name="圖片 71" descr="pexels-photo2.jpg"/>
-          <p:cNvPicPr>
-            <a:picLocks noChangeAspect="1"/>
-          </p:cNvPicPr>
-          <p:nvPr/>
-        </p:nvPicPr>
-        <p:blipFill rotWithShape="1">
-          <a:blip r:embed="rId8" cstate="email">
-            <a:extLst>
-              <a:ext uri="{28A0092B-C50C-407E-A947-70E740481C1C}">
-                <a14:useLocalDpi xmlns:a14="http://schemas.microsoft.com/office/drawing/2010/main"/>
-              </a:ext>
-            </a:extLst>
-          </a:blip>
-          <a:srcRect/>
-          <a:stretch/>
-        </p:blipFill>
-        <p:spPr>
-          <a:xfrm>
-            <a:off x="93493" y="2323988"/>
-            <a:ext cx="447548" cy="432000"/>
-          </a:xfrm>
-          <a:prstGeom prst="rect">
-            <a:avLst/>
-          </a:prstGeom>
-        </p:spPr>
-      </p:pic>
-      <p:pic>
-        <p:nvPicPr>
-          <p:cNvPr id="73" name="圖片 72" descr="pexels-photo-51439.jpg"/>
-          <p:cNvPicPr>
-            <a:picLocks noChangeAspect="1"/>
-          </p:cNvPicPr>
-          <p:nvPr/>
-        </p:nvPicPr>
-        <p:blipFill rotWithShape="1">
-          <a:blip r:embed="rId9" cstate="email">
-            <a:extLst>
-              <a:ext uri="{28A0092B-C50C-407E-A947-70E740481C1C}">
-                <a14:useLocalDpi xmlns:a14="http://schemas.microsoft.com/office/drawing/2010/main"/>
-              </a:ext>
-            </a:extLst>
-          </a:blip>
-          <a:srcRect/>
-          <a:stretch/>
-        </p:blipFill>
-        <p:spPr>
-          <a:xfrm>
-            <a:off x="93037" y="1778221"/>
-            <a:ext cx="448096" cy="432000"/>
-          </a:xfrm>
-          <a:prstGeom prst="rect">
-            <a:avLst/>
-          </a:prstGeom>
-        </p:spPr>
-      </p:pic>
-      <p:sp>
-        <p:nvSpPr>
-          <p:cNvPr id="74" name="文字方塊 73"/>
-          <p:cNvSpPr txBox="1"/>
-          <p:nvPr/>
-        </p:nvSpPr>
-        <p:spPr>
-          <a:xfrm>
-            <a:off x="535172" y="1152711"/>
-            <a:ext cx="1291298" cy="230832"/>
-          </a:xfrm>
-          <a:prstGeom prst="rect">
-            <a:avLst/>
-          </a:prstGeom>
-          <a:noFill/>
-        </p:spPr>
-        <p:txBody>
-          <a:bodyPr wrap="square" rtlCol="0">
-            <a:spAutoFit/>
-          </a:bodyPr>
-          <a:lstStyle/>
-          <a:p>
-            <a:r>
-              <a:rPr kumimoji="1" lang="en-US" altLang="zh-TW" b="1" dirty="0" smtClean="0">
+        </p:grpSpPr>
+        <p:pic>
+          <p:nvPicPr>
+            <p:cNvPr id="67" name="圖片 66" descr="pexels-photo.jpg"/>
+            <p:cNvPicPr>
+              <a:picLocks noChangeAspect="1"/>
+            </p:cNvPicPr>
+            <p:nvPr/>
+          </p:nvPicPr>
+          <p:blipFill rotWithShape="1">
+            <a:blip r:embed="rId6" cstate="email">
+              <a:extLst>
+                <a:ext uri="{28A0092B-C50C-407E-A947-70E740481C1C}">
+                  <a14:useLocalDpi xmlns:a14="http://schemas.microsoft.com/office/drawing/2010/main"/>
+                </a:ext>
+              </a:extLst>
+            </a:blip>
+            <a:srcRect/>
+            <a:stretch/>
+          </p:blipFill>
+          <p:spPr>
+            <a:xfrm>
+              <a:off x="93037" y="1214374"/>
+              <a:ext cx="447548" cy="432000"/>
+            </a:xfrm>
+            <a:prstGeom prst="rect">
+              <a:avLst/>
+            </a:prstGeom>
+          </p:spPr>
+        </p:pic>
+        <p:sp>
+          <p:nvSpPr>
+            <p:cNvPr id="74" name="文字方塊 73"/>
+            <p:cNvSpPr txBox="1"/>
+            <p:nvPr/>
+          </p:nvSpPr>
+          <p:spPr>
+            <a:xfrm>
+              <a:off x="535172" y="1152711"/>
+              <a:ext cx="1291298" cy="230832"/>
+            </a:xfrm>
+            <a:prstGeom prst="rect">
+              <a:avLst/>
+            </a:prstGeom>
+            <a:noFill/>
+          </p:spPr>
+          <p:txBody>
+            <a:bodyPr wrap="square" rtlCol="0">
+              <a:spAutoFit/>
+            </a:bodyPr>
+            <a:lstStyle/>
+            <a:p>
+              <a:r>
+                <a:rPr kumimoji="1" lang="en-US" altLang="zh-TW" b="1" dirty="0" smtClean="0">
+                  <a:solidFill>
+                    <a:srgbClr val="663333"/>
+                  </a:solidFill>
+                  <a:latin typeface="SFNS Display"/>
+                  <a:cs typeface="SFNS Display"/>
+                </a:rPr>
+                <a:t>KING</a:t>
+              </a:r>
+              <a:endParaRPr kumimoji="1" lang="zh-TW" altLang="en-US" b="1" dirty="0">
                 <a:solidFill>
                   <a:srgbClr val="663333"/>
                 </a:solidFill>
                 <a:latin typeface="SFNS Display"/>
                 <a:cs typeface="SFNS Display"/>
-              </a:rPr>
-              <a:t>KING</a:t>
-            </a:r>
-            <a:endParaRPr kumimoji="1" lang="zh-TW" altLang="en-US" b="1" dirty="0">
-              <a:solidFill>
-                <a:srgbClr val="663333"/>
-              </a:solidFill>
-              <a:latin typeface="SFNS Display"/>
-              <a:cs typeface="SFNS Display"/>
-            </a:endParaRPr>
-          </a:p>
-        </p:txBody>
-      </p:sp>
-      <p:sp>
-        <p:nvSpPr>
-          <p:cNvPr id="75" name="文字方塊 74"/>
-          <p:cNvSpPr txBox="1"/>
-          <p:nvPr/>
-        </p:nvSpPr>
-        <p:spPr>
-          <a:xfrm>
-            <a:off x="548756" y="1298004"/>
-            <a:ext cx="1438534" cy="200055"/>
-          </a:xfrm>
-          <a:prstGeom prst="rect">
-            <a:avLst/>
-          </a:prstGeom>
-          <a:noFill/>
-        </p:spPr>
-        <p:txBody>
-          <a:bodyPr wrap="square" rtlCol="0">
-            <a:spAutoFit/>
-          </a:bodyPr>
-          <a:lstStyle/>
-          <a:p>
-            <a:pPr latinLnBrk="1"/>
-            <a:r>
-              <a:rPr kumimoji="1" lang="en-US" altLang="zh-TW" sz="700" i="1" dirty="0">
+              </a:endParaRPr>
+            </a:p>
+          </p:txBody>
+        </p:sp>
+        <p:sp>
+          <p:nvSpPr>
+            <p:cNvPr id="75" name="文字方塊 74"/>
+            <p:cNvSpPr txBox="1"/>
+            <p:nvPr/>
+          </p:nvSpPr>
+          <p:spPr>
+            <a:xfrm>
+              <a:off x="548756" y="1298004"/>
+              <a:ext cx="1438534" cy="200055"/>
+            </a:xfrm>
+            <a:prstGeom prst="rect">
+              <a:avLst/>
+            </a:prstGeom>
+            <a:noFill/>
+          </p:spPr>
+          <p:txBody>
+            <a:bodyPr wrap="square" rtlCol="0">
+              <a:spAutoFit/>
+            </a:bodyPr>
+            <a:lstStyle/>
+            <a:p>
+              <a:pPr latinLnBrk="1"/>
+              <a:r>
+                <a:rPr kumimoji="1" lang="en-US" altLang="zh-TW" sz="700" i="1" dirty="0">
+                  <a:solidFill>
+                    <a:srgbClr val="943F43"/>
+                  </a:solidFill>
+                  <a:latin typeface="SFNS Display"/>
+                  <a:cs typeface="SFNS Display"/>
+                </a:rPr>
+                <a:t>British Shorthair</a:t>
+              </a:r>
+              <a:endParaRPr kumimoji="1" lang="zh-TW" altLang="en-US" sz="700" i="1" dirty="0">
                 <a:solidFill>
                   <a:srgbClr val="943F43"/>
                 </a:solidFill>
                 <a:latin typeface="SFNS Display"/>
                 <a:cs typeface="SFNS Display"/>
-              </a:rPr>
-              <a:t>British Shorthair</a:t>
-            </a:r>
-            <a:endParaRPr kumimoji="1" lang="zh-TW" altLang="en-US" sz="700" i="1" dirty="0">
+              </a:endParaRPr>
+            </a:p>
+          </p:txBody>
+        </p:sp>
+        <p:sp>
+          <p:nvSpPr>
+            <p:cNvPr id="76" name="圓角矩形 75"/>
+            <p:cNvSpPr/>
+            <p:nvPr/>
+          </p:nvSpPr>
+          <p:spPr>
+            <a:xfrm>
+              <a:off x="621068" y="1491265"/>
+              <a:ext cx="610620" cy="117208"/>
+            </a:xfrm>
+            <a:prstGeom prst="roundRect">
+              <a:avLst/>
+            </a:prstGeom>
+            <a:solidFill>
+              <a:srgbClr val="C4D59D"/>
+            </a:solidFill>
+            <a:ln>
               <a:solidFill>
-                <a:srgbClr val="943F43"/>
+                <a:schemeClr val="accent3">
+                  <a:lumMod val="75000"/>
+                </a:schemeClr>
               </a:solidFill>
-              <a:latin typeface="SFNS Display"/>
-              <a:cs typeface="SFNS Display"/>
-            </a:endParaRPr>
-          </a:p>
-        </p:txBody>
-      </p:sp>
-      <p:sp>
-        <p:nvSpPr>
-          <p:cNvPr id="76" name="圓角矩形 75"/>
-          <p:cNvSpPr/>
-          <p:nvPr/>
-        </p:nvSpPr>
-        <p:spPr>
-          <a:xfrm>
-            <a:off x="621068" y="1491265"/>
-            <a:ext cx="610620" cy="117208"/>
-          </a:xfrm>
-          <a:prstGeom prst="roundRect">
-            <a:avLst/>
-          </a:prstGeom>
-          <a:solidFill>
-            <a:srgbClr val="C4D59D"/>
-          </a:solidFill>
-          <a:ln>
-            <a:solidFill>
-              <a:schemeClr val="accent3">
-                <a:lumMod val="75000"/>
-              </a:schemeClr>
-            </a:solidFill>
-          </a:ln>
-          <a:effectLst/>
-        </p:spPr>
-        <p:style>
-          <a:lnRef idx="1">
-            <a:schemeClr val="accent1"/>
-          </a:lnRef>
-          <a:fillRef idx="3">
-            <a:schemeClr val="accent1"/>
-          </a:fillRef>
-          <a:effectRef idx="2">
-            <a:schemeClr val="accent1"/>
-          </a:effectRef>
-          <a:fontRef idx="minor">
-            <a:schemeClr val="lt1"/>
-          </a:fontRef>
-        </p:style>
-        <p:txBody>
-          <a:bodyPr lIns="36000" rIns="36000" rtlCol="0" anchor="ctr"/>
-          <a:lstStyle/>
-          <a:p>
-            <a:pPr algn="ctr"/>
-            <a:r>
-              <a:rPr kumimoji="1" lang="en-US" altLang="zh-TW" sz="500" dirty="0" smtClean="0">
+            </a:ln>
+            <a:effectLst/>
+          </p:spPr>
+          <p:style>
+            <a:lnRef idx="1">
+              <a:schemeClr val="accent1"/>
+            </a:lnRef>
+            <a:fillRef idx="3">
+              <a:schemeClr val="accent1"/>
+            </a:fillRef>
+            <a:effectRef idx="2">
+              <a:schemeClr val="accent1"/>
+            </a:effectRef>
+            <a:fontRef idx="minor">
+              <a:schemeClr val="lt1"/>
+            </a:fontRef>
+          </p:style>
+          <p:txBody>
+            <a:bodyPr lIns="36000" rIns="36000" rtlCol="0" anchor="ctr"/>
+            <a:lstStyle/>
+            <a:p>
+              <a:pPr algn="ctr"/>
+              <a:r>
+                <a:rPr kumimoji="1" lang="en-US" altLang="zh-TW" sz="500" dirty="0" smtClean="0">
+                  <a:solidFill>
+                    <a:srgbClr val="532529"/>
+                  </a:solidFill>
+                  <a:latin typeface="SFNS Display"/>
+                  <a:cs typeface="SFNS Display"/>
+                </a:rPr>
+                <a:t>More</a:t>
+              </a:r>
+              <a:r>
+                <a:rPr kumimoji="1" lang="zh-TW" altLang="en-US" sz="500" dirty="0" smtClean="0">
+                  <a:solidFill>
+                    <a:srgbClr val="532529"/>
+                  </a:solidFill>
+                  <a:latin typeface="SFNS Display"/>
+                  <a:cs typeface="SFNS Display"/>
+                </a:rPr>
+                <a:t> </a:t>
+              </a:r>
+              <a:r>
+                <a:rPr kumimoji="1" lang="en-US" altLang="zh-TW" sz="500" dirty="0" smtClean="0">
+                  <a:solidFill>
+                    <a:srgbClr val="532529"/>
+                  </a:solidFill>
+                  <a:latin typeface="SFNS Display"/>
+                  <a:cs typeface="SFNS Display"/>
+                </a:rPr>
+                <a:t>About</a:t>
+              </a:r>
+              <a:r>
+                <a:rPr kumimoji="1" lang="zh-TW" altLang="en-US" sz="500" dirty="0" smtClean="0">
+                  <a:solidFill>
+                    <a:srgbClr val="532529"/>
+                  </a:solidFill>
+                  <a:latin typeface="SFNS Display"/>
+                  <a:cs typeface="SFNS Display"/>
+                </a:rPr>
+                <a:t> </a:t>
+              </a:r>
+              <a:r>
+                <a:rPr kumimoji="1" lang="en-US" altLang="zh-TW" sz="500" dirty="0" smtClean="0">
+                  <a:solidFill>
+                    <a:srgbClr val="532529"/>
+                  </a:solidFill>
+                  <a:latin typeface="SFNS Display"/>
+                  <a:cs typeface="SFNS Display"/>
+                </a:rPr>
+                <a:t>Me</a:t>
+              </a:r>
+              <a:r>
+                <a:rPr kumimoji="1" lang="zh-TW" altLang="en-US" sz="500" dirty="0" smtClean="0">
+                  <a:solidFill>
+                    <a:srgbClr val="532529"/>
+                  </a:solidFill>
+                  <a:latin typeface="SFNS Display"/>
+                  <a:cs typeface="SFNS Display"/>
+                </a:rPr>
+                <a:t> </a:t>
+              </a:r>
+              <a:r>
+                <a:rPr kumimoji="1" lang="en-US" altLang="zh-TW" sz="500" dirty="0" smtClean="0">
+                  <a:solidFill>
+                    <a:srgbClr val="532529"/>
+                  </a:solidFill>
+                  <a:latin typeface="SFNS Display"/>
+                  <a:cs typeface="SFNS Display"/>
+                </a:rPr>
+                <a:t>&gt;&gt;</a:t>
+              </a:r>
+              <a:endParaRPr kumimoji="1" lang="zh-TW" altLang="en-US" sz="500" dirty="0">
                 <a:solidFill>
                   <a:srgbClr val="532529"/>
                 </a:solidFill>
                 <a:latin typeface="SFNS Display"/>
                 <a:cs typeface="SFNS Display"/>
-              </a:rPr>
-              <a:t>More</a:t>
-            </a:r>
-            <a:r>
-              <a:rPr kumimoji="1" lang="zh-TW" altLang="en-US" sz="500" dirty="0" smtClean="0">
+              </a:endParaRPr>
+            </a:p>
+          </p:txBody>
+        </p:sp>
+      </p:grpSp>
+      <p:grpSp>
+        <p:nvGrpSpPr>
+          <p:cNvPr id="4" name="群組 3"/>
+          <p:cNvGrpSpPr/>
+          <p:nvPr/>
+        </p:nvGrpSpPr>
+        <p:grpSpPr>
+          <a:xfrm>
+            <a:off x="93037" y="2292600"/>
+            <a:ext cx="1893797" cy="432000"/>
+            <a:chOff x="93037" y="1778221"/>
+            <a:chExt cx="1893797" cy="432000"/>
+          </a:xfrm>
+        </p:grpSpPr>
+        <p:pic>
+          <p:nvPicPr>
+            <p:cNvPr id="73" name="圖片 72" descr="pexels-photo-51439.jpg"/>
+            <p:cNvPicPr>
+              <a:picLocks noChangeAspect="1"/>
+            </p:cNvPicPr>
+            <p:nvPr/>
+          </p:nvPicPr>
+          <p:blipFill rotWithShape="1">
+            <a:blip r:embed="rId7" cstate="email">
+              <a:extLst>
+                <a:ext uri="{28A0092B-C50C-407E-A947-70E740481C1C}">
+                  <a14:useLocalDpi xmlns:a14="http://schemas.microsoft.com/office/drawing/2010/main"/>
+                </a:ext>
+              </a:extLst>
+            </a:blip>
+            <a:srcRect/>
+            <a:stretch/>
+          </p:blipFill>
+          <p:spPr>
+            <a:xfrm>
+              <a:off x="93037" y="1778221"/>
+              <a:ext cx="448096" cy="432000"/>
+            </a:xfrm>
+            <a:prstGeom prst="rect">
+              <a:avLst/>
+            </a:prstGeom>
+          </p:spPr>
+        </p:pic>
+        <p:sp>
+          <p:nvSpPr>
+            <p:cNvPr id="78" name="文字方塊 77"/>
+            <p:cNvSpPr txBox="1"/>
+            <p:nvPr/>
+          </p:nvSpPr>
+          <p:spPr>
+            <a:xfrm>
+              <a:off x="548300" y="1861850"/>
+              <a:ext cx="1438534" cy="200055"/>
+            </a:xfrm>
+            <a:prstGeom prst="rect">
+              <a:avLst/>
+            </a:prstGeom>
+            <a:noFill/>
+          </p:spPr>
+          <p:txBody>
+            <a:bodyPr wrap="square" rtlCol="0">
+              <a:spAutoFit/>
+            </a:bodyPr>
+            <a:lstStyle/>
+            <a:p>
+              <a:pPr latinLnBrk="1"/>
+              <a:r>
+                <a:rPr kumimoji="1" lang="en-US" altLang="zh-TW" sz="700" i="1" dirty="0">
+                  <a:solidFill>
+                    <a:srgbClr val="943F43"/>
+                  </a:solidFill>
+                  <a:latin typeface="SFNS Display"/>
+                  <a:cs typeface="SFNS Display"/>
+                </a:rPr>
+                <a:t>British Shorthair</a:t>
+              </a:r>
+              <a:endParaRPr kumimoji="1" lang="zh-TW" altLang="en-US" sz="700" i="1" dirty="0">
+                <a:solidFill>
+                  <a:srgbClr val="943F43"/>
+                </a:solidFill>
+                <a:latin typeface="SFNS Display"/>
+                <a:cs typeface="SFNS Display"/>
+              </a:endParaRPr>
+            </a:p>
+          </p:txBody>
+        </p:sp>
+        <p:sp>
+          <p:nvSpPr>
+            <p:cNvPr id="79" name="圓角矩形 78"/>
+            <p:cNvSpPr/>
+            <p:nvPr/>
+          </p:nvSpPr>
+          <p:spPr>
+            <a:xfrm>
+              <a:off x="620612" y="2055111"/>
+              <a:ext cx="610620" cy="117208"/>
+            </a:xfrm>
+            <a:prstGeom prst="roundRect">
+              <a:avLst/>
+            </a:prstGeom>
+            <a:solidFill>
+              <a:srgbClr val="C4D59D"/>
+            </a:solidFill>
+            <a:ln>
+              <a:solidFill>
+                <a:schemeClr val="accent3">
+                  <a:lumMod val="75000"/>
+                </a:schemeClr>
+              </a:solidFill>
+            </a:ln>
+            <a:effectLst/>
+          </p:spPr>
+          <p:style>
+            <a:lnRef idx="1">
+              <a:schemeClr val="accent1"/>
+            </a:lnRef>
+            <a:fillRef idx="3">
+              <a:schemeClr val="accent1"/>
+            </a:fillRef>
+            <a:effectRef idx="2">
+              <a:schemeClr val="accent1"/>
+            </a:effectRef>
+            <a:fontRef idx="minor">
+              <a:schemeClr val="lt1"/>
+            </a:fontRef>
+          </p:style>
+          <p:txBody>
+            <a:bodyPr lIns="36000" rIns="36000" rtlCol="0" anchor="ctr"/>
+            <a:lstStyle/>
+            <a:p>
+              <a:pPr algn="ctr"/>
+              <a:r>
+                <a:rPr kumimoji="1" lang="en-US" altLang="zh-TW" sz="500" dirty="0" smtClean="0">
+                  <a:solidFill>
+                    <a:srgbClr val="532529"/>
+                  </a:solidFill>
+                  <a:latin typeface="SFNS Display"/>
+                  <a:cs typeface="SFNS Display"/>
+                </a:rPr>
+                <a:t>More</a:t>
+              </a:r>
+              <a:r>
+                <a:rPr kumimoji="1" lang="zh-TW" altLang="en-US" sz="500" dirty="0" smtClean="0">
+                  <a:solidFill>
+                    <a:srgbClr val="532529"/>
+                  </a:solidFill>
+                  <a:latin typeface="SFNS Display"/>
+                  <a:cs typeface="SFNS Display"/>
+                </a:rPr>
+                <a:t> </a:t>
+              </a:r>
+              <a:r>
+                <a:rPr kumimoji="1" lang="en-US" altLang="zh-TW" sz="500" dirty="0" smtClean="0">
+                  <a:solidFill>
+                    <a:srgbClr val="532529"/>
+                  </a:solidFill>
+                  <a:latin typeface="SFNS Display"/>
+                  <a:cs typeface="SFNS Display"/>
+                </a:rPr>
+                <a:t>About</a:t>
+              </a:r>
+              <a:r>
+                <a:rPr kumimoji="1" lang="zh-TW" altLang="en-US" sz="500" dirty="0" smtClean="0">
+                  <a:solidFill>
+                    <a:srgbClr val="532529"/>
+                  </a:solidFill>
+                  <a:latin typeface="SFNS Display"/>
+                  <a:cs typeface="SFNS Display"/>
+                </a:rPr>
+                <a:t> </a:t>
+              </a:r>
+              <a:r>
+                <a:rPr kumimoji="1" lang="en-US" altLang="zh-TW" sz="500" dirty="0" smtClean="0">
+                  <a:solidFill>
+                    <a:srgbClr val="532529"/>
+                  </a:solidFill>
+                  <a:latin typeface="SFNS Display"/>
+                  <a:cs typeface="SFNS Display"/>
+                </a:rPr>
+                <a:t>Me</a:t>
+              </a:r>
+              <a:r>
+                <a:rPr kumimoji="1" lang="zh-TW" altLang="en-US" sz="500" dirty="0" smtClean="0">
+                  <a:solidFill>
+                    <a:srgbClr val="532529"/>
+                  </a:solidFill>
+                  <a:latin typeface="SFNS Display"/>
+                  <a:cs typeface="SFNS Display"/>
+                </a:rPr>
+                <a:t> </a:t>
+              </a:r>
+              <a:r>
+                <a:rPr kumimoji="1" lang="en-US" altLang="zh-TW" sz="500" dirty="0" smtClean="0">
+                  <a:solidFill>
+                    <a:srgbClr val="532529"/>
+                  </a:solidFill>
+                  <a:latin typeface="SFNS Display"/>
+                  <a:cs typeface="SFNS Display"/>
+                </a:rPr>
+                <a:t>&gt;&gt;</a:t>
+              </a:r>
+              <a:endParaRPr kumimoji="1" lang="zh-TW" altLang="en-US" sz="500" dirty="0">
                 <a:solidFill>
                   <a:srgbClr val="532529"/>
                 </a:solidFill>
                 <a:latin typeface="SFNS Display"/>
                 <a:cs typeface="SFNS Display"/>
-              </a:rPr>
-              <a:t> </a:t>
-            </a:r>
-            <a:r>
-              <a:rPr kumimoji="1" lang="en-US" altLang="zh-TW" sz="500" dirty="0" smtClean="0">
-                <a:solidFill>
-                  <a:srgbClr val="532529"/>
-                </a:solidFill>
-                <a:latin typeface="SFNS Display"/>
-                <a:cs typeface="SFNS Display"/>
-              </a:rPr>
-              <a:t>About</a:t>
-            </a:r>
-            <a:r>
-              <a:rPr kumimoji="1" lang="zh-TW" altLang="en-US" sz="500" dirty="0" smtClean="0">
-                <a:solidFill>
-                  <a:srgbClr val="532529"/>
-                </a:solidFill>
-                <a:latin typeface="SFNS Display"/>
-                <a:cs typeface="SFNS Display"/>
-              </a:rPr>
-              <a:t> </a:t>
-            </a:r>
-            <a:r>
-              <a:rPr kumimoji="1" lang="en-US" altLang="zh-TW" sz="500" dirty="0" smtClean="0">
-                <a:solidFill>
-                  <a:srgbClr val="532529"/>
-                </a:solidFill>
-                <a:latin typeface="SFNS Display"/>
-                <a:cs typeface="SFNS Display"/>
-              </a:rPr>
-              <a:t>Me</a:t>
-            </a:r>
-            <a:r>
-              <a:rPr kumimoji="1" lang="zh-TW" altLang="en-US" sz="500" dirty="0" smtClean="0">
-                <a:solidFill>
-                  <a:srgbClr val="532529"/>
-                </a:solidFill>
-                <a:latin typeface="SFNS Display"/>
-                <a:cs typeface="SFNS Display"/>
-              </a:rPr>
-              <a:t> </a:t>
-            </a:r>
-            <a:r>
-              <a:rPr kumimoji="1" lang="en-US" altLang="zh-TW" sz="500" dirty="0" smtClean="0">
-                <a:solidFill>
-                  <a:srgbClr val="532529"/>
-                </a:solidFill>
-                <a:latin typeface="SFNS Display"/>
-                <a:cs typeface="SFNS Display"/>
-              </a:rPr>
-              <a:t>&gt;&gt;</a:t>
-            </a:r>
-            <a:endParaRPr kumimoji="1" lang="zh-TW" altLang="en-US" sz="500" dirty="0">
-              <a:solidFill>
-                <a:srgbClr val="532529"/>
-              </a:solidFill>
-              <a:latin typeface="SFNS Display"/>
-              <a:cs typeface="SFNS Display"/>
-            </a:endParaRPr>
-          </a:p>
-        </p:txBody>
-      </p:sp>
-      <p:sp>
-        <p:nvSpPr>
-          <p:cNvPr id="77" name="文字方塊 76"/>
-          <p:cNvSpPr txBox="1"/>
-          <p:nvPr/>
-        </p:nvSpPr>
-        <p:spPr>
-          <a:xfrm>
-            <a:off x="534716" y="1716558"/>
-            <a:ext cx="1291298" cy="230832"/>
-          </a:xfrm>
-          <a:prstGeom prst="rect">
-            <a:avLst/>
-          </a:prstGeom>
-          <a:noFill/>
-        </p:spPr>
-        <p:txBody>
-          <a:bodyPr wrap="square" rtlCol="0">
-            <a:spAutoFit/>
-          </a:bodyPr>
-          <a:lstStyle/>
-          <a:p>
-            <a:r>
-              <a:rPr kumimoji="1" lang="en-US" altLang="zh-TW" b="1" dirty="0">
-                <a:solidFill>
-                  <a:srgbClr val="663333"/>
-                </a:solidFill>
-                <a:latin typeface="SFNS Display"/>
-                <a:cs typeface="SFNS Display"/>
-              </a:rPr>
-              <a:t>Cathy</a:t>
-            </a:r>
-            <a:endParaRPr kumimoji="1" lang="zh-TW" altLang="en-US" b="1" dirty="0">
-              <a:solidFill>
-                <a:srgbClr val="663333"/>
-              </a:solidFill>
-              <a:latin typeface="SFNS Display"/>
-              <a:cs typeface="SFNS Display"/>
-            </a:endParaRPr>
-          </a:p>
-        </p:txBody>
-      </p:sp>
-      <p:sp>
-        <p:nvSpPr>
-          <p:cNvPr id="78" name="文字方塊 77"/>
-          <p:cNvSpPr txBox="1"/>
-          <p:nvPr/>
-        </p:nvSpPr>
-        <p:spPr>
-          <a:xfrm>
-            <a:off x="548300" y="1861850"/>
-            <a:ext cx="1438534" cy="200055"/>
-          </a:xfrm>
-          <a:prstGeom prst="rect">
-            <a:avLst/>
-          </a:prstGeom>
-          <a:noFill/>
-        </p:spPr>
-        <p:txBody>
-          <a:bodyPr wrap="square" rtlCol="0">
-            <a:spAutoFit/>
-          </a:bodyPr>
-          <a:lstStyle/>
-          <a:p>
-            <a:pPr latinLnBrk="1"/>
-            <a:r>
-              <a:rPr kumimoji="1" lang="en-US" altLang="zh-TW" sz="700" i="1" dirty="0">
-                <a:solidFill>
-                  <a:srgbClr val="943F43"/>
-                </a:solidFill>
-                <a:latin typeface="SFNS Display"/>
-                <a:cs typeface="SFNS Display"/>
-              </a:rPr>
-              <a:t>British Shorthair</a:t>
-            </a:r>
-            <a:endParaRPr kumimoji="1" lang="zh-TW" altLang="en-US" sz="700" i="1" dirty="0">
-              <a:solidFill>
-                <a:srgbClr val="943F43"/>
-              </a:solidFill>
-              <a:latin typeface="SFNS Display"/>
-              <a:cs typeface="SFNS Display"/>
-            </a:endParaRPr>
-          </a:p>
-        </p:txBody>
-      </p:sp>
-      <p:sp>
-        <p:nvSpPr>
-          <p:cNvPr id="79" name="圓角矩形 78"/>
-          <p:cNvSpPr/>
-          <p:nvPr/>
-        </p:nvSpPr>
-        <p:spPr>
-          <a:xfrm>
-            <a:off x="620612" y="2055111"/>
-            <a:ext cx="610620" cy="117208"/>
-          </a:xfrm>
-          <a:prstGeom prst="roundRect">
-            <a:avLst/>
-          </a:prstGeom>
-          <a:solidFill>
-            <a:srgbClr val="C4D59D"/>
-          </a:solidFill>
-          <a:ln>
-            <a:solidFill>
-              <a:schemeClr val="accent3">
-                <a:lumMod val="75000"/>
-              </a:schemeClr>
-            </a:solidFill>
-          </a:ln>
-          <a:effectLst/>
-        </p:spPr>
-        <p:style>
-          <a:lnRef idx="1">
-            <a:schemeClr val="accent1"/>
-          </a:lnRef>
-          <a:fillRef idx="3">
-            <a:schemeClr val="accent1"/>
-          </a:fillRef>
-          <a:effectRef idx="2">
-            <a:schemeClr val="accent1"/>
-          </a:effectRef>
-          <a:fontRef idx="minor">
-            <a:schemeClr val="lt1"/>
-          </a:fontRef>
-        </p:style>
-        <p:txBody>
-          <a:bodyPr lIns="36000" rIns="36000" rtlCol="0" anchor="ctr"/>
-          <a:lstStyle/>
-          <a:p>
-            <a:pPr algn="ctr"/>
-            <a:r>
-              <a:rPr kumimoji="1" lang="en-US" altLang="zh-TW" sz="500" dirty="0" smtClean="0">
-                <a:solidFill>
-                  <a:srgbClr val="532529"/>
-                </a:solidFill>
-                <a:latin typeface="SFNS Display"/>
-                <a:cs typeface="SFNS Display"/>
-              </a:rPr>
-              <a:t>More</a:t>
-            </a:r>
-            <a:r>
-              <a:rPr kumimoji="1" lang="zh-TW" altLang="en-US" sz="500" dirty="0" smtClean="0">
-                <a:solidFill>
-                  <a:srgbClr val="532529"/>
-                </a:solidFill>
-                <a:latin typeface="SFNS Display"/>
-                <a:cs typeface="SFNS Display"/>
-              </a:rPr>
-              <a:t> </a:t>
-            </a:r>
-            <a:r>
-              <a:rPr kumimoji="1" lang="en-US" altLang="zh-TW" sz="500" dirty="0" smtClean="0">
-                <a:solidFill>
-                  <a:srgbClr val="532529"/>
-                </a:solidFill>
-                <a:latin typeface="SFNS Display"/>
-                <a:cs typeface="SFNS Display"/>
-              </a:rPr>
-              <a:t>About</a:t>
-            </a:r>
-            <a:r>
-              <a:rPr kumimoji="1" lang="zh-TW" altLang="en-US" sz="500" dirty="0" smtClean="0">
-                <a:solidFill>
-                  <a:srgbClr val="532529"/>
-                </a:solidFill>
-                <a:latin typeface="SFNS Display"/>
-                <a:cs typeface="SFNS Display"/>
-              </a:rPr>
-              <a:t> </a:t>
-            </a:r>
-            <a:r>
-              <a:rPr kumimoji="1" lang="en-US" altLang="zh-TW" sz="500" dirty="0" smtClean="0">
-                <a:solidFill>
-                  <a:srgbClr val="532529"/>
-                </a:solidFill>
-                <a:latin typeface="SFNS Display"/>
-                <a:cs typeface="SFNS Display"/>
-              </a:rPr>
-              <a:t>Me</a:t>
-            </a:r>
-            <a:r>
-              <a:rPr kumimoji="1" lang="zh-TW" altLang="en-US" sz="500" dirty="0" smtClean="0">
-                <a:solidFill>
-                  <a:srgbClr val="532529"/>
-                </a:solidFill>
-                <a:latin typeface="SFNS Display"/>
-                <a:cs typeface="SFNS Display"/>
-              </a:rPr>
-              <a:t> </a:t>
-            </a:r>
-            <a:r>
-              <a:rPr kumimoji="1" lang="en-US" altLang="zh-TW" sz="500" dirty="0" smtClean="0">
-                <a:solidFill>
-                  <a:srgbClr val="532529"/>
-                </a:solidFill>
-                <a:latin typeface="SFNS Display"/>
-                <a:cs typeface="SFNS Display"/>
-              </a:rPr>
-              <a:t>&gt;&gt;</a:t>
-            </a:r>
-            <a:endParaRPr kumimoji="1" lang="zh-TW" altLang="en-US" sz="500" dirty="0">
-              <a:solidFill>
-                <a:srgbClr val="532529"/>
-              </a:solidFill>
-              <a:latin typeface="SFNS Display"/>
-              <a:cs typeface="SFNS Display"/>
-            </a:endParaRPr>
-          </a:p>
-        </p:txBody>
-      </p:sp>
-      <p:sp>
-        <p:nvSpPr>
-          <p:cNvPr id="80" name="文字方塊 79"/>
-          <p:cNvSpPr txBox="1"/>
-          <p:nvPr/>
-        </p:nvSpPr>
-        <p:spPr>
-          <a:xfrm>
-            <a:off x="534716" y="2262324"/>
-            <a:ext cx="1291298" cy="230832"/>
-          </a:xfrm>
-          <a:prstGeom prst="rect">
-            <a:avLst/>
-          </a:prstGeom>
-          <a:noFill/>
-        </p:spPr>
-        <p:txBody>
-          <a:bodyPr wrap="square" rtlCol="0">
-            <a:spAutoFit/>
-          </a:bodyPr>
-          <a:lstStyle/>
-          <a:p>
-            <a:r>
-              <a:rPr kumimoji="1" lang="en-US" altLang="zh-TW" b="1" dirty="0" smtClean="0">
-                <a:solidFill>
-                  <a:srgbClr val="663333"/>
-                </a:solidFill>
-                <a:latin typeface="SFNS Display"/>
-                <a:cs typeface="SFNS Display"/>
-              </a:rPr>
-              <a:t>Happy</a:t>
-            </a:r>
-            <a:endParaRPr kumimoji="1" lang="zh-TW" altLang="en-US" b="1" dirty="0">
-              <a:solidFill>
-                <a:srgbClr val="663333"/>
-              </a:solidFill>
-              <a:latin typeface="SFNS Display"/>
-              <a:cs typeface="SFNS Display"/>
-            </a:endParaRPr>
-          </a:p>
-        </p:txBody>
-      </p:sp>
+              </a:endParaRPr>
+            </a:p>
+          </p:txBody>
+        </p:sp>
+      </p:grpSp>
       <p:sp>
         <p:nvSpPr>
           <p:cNvPr id="81" name="文字方塊 80"/>
@@ -3954,7 +3842,7 @@
         </p:nvSpPr>
         <p:spPr>
           <a:xfrm>
-            <a:off x="548300" y="2407620"/>
+            <a:off x="534716" y="1861154"/>
             <a:ext cx="1438534" cy="200055"/>
           </a:xfrm>
           <a:prstGeom prst="rect">
@@ -3989,341 +3877,471 @@
           </a:p>
         </p:txBody>
       </p:sp>
-      <p:sp>
-        <p:nvSpPr>
-          <p:cNvPr id="82" name="圓角矩形 81"/>
-          <p:cNvSpPr/>
+      <p:grpSp>
+        <p:nvGrpSpPr>
+          <p:cNvPr id="5" name="群組 4"/>
+          <p:cNvGrpSpPr/>
           <p:nvPr/>
-        </p:nvSpPr>
-        <p:spPr>
+        </p:nvGrpSpPr>
+        <p:grpSpPr>
           <a:xfrm>
-            <a:off x="620612" y="2600878"/>
-            <a:ext cx="610620" cy="117208"/>
+            <a:off x="93493" y="1722655"/>
+            <a:ext cx="1732521" cy="493664"/>
+            <a:chOff x="93493" y="2262324"/>
+            <a:chExt cx="1732521" cy="493664"/>
           </a:xfrm>
-          <a:prstGeom prst="roundRect">
-            <a:avLst/>
-          </a:prstGeom>
-          <a:solidFill>
-            <a:srgbClr val="C4D59D"/>
-          </a:solidFill>
-          <a:ln>
+        </p:grpSpPr>
+        <p:pic>
+          <p:nvPicPr>
+            <p:cNvPr id="72" name="圖片 71" descr="pexels-photo2.jpg"/>
+            <p:cNvPicPr>
+              <a:picLocks noChangeAspect="1"/>
+            </p:cNvPicPr>
+            <p:nvPr/>
+          </p:nvPicPr>
+          <p:blipFill rotWithShape="1">
+            <a:blip r:embed="rId8" cstate="email">
+              <a:extLst>
+                <a:ext uri="{28A0092B-C50C-407E-A947-70E740481C1C}">
+                  <a14:useLocalDpi xmlns:a14="http://schemas.microsoft.com/office/drawing/2010/main"/>
+                </a:ext>
+              </a:extLst>
+            </a:blip>
+            <a:srcRect/>
+            <a:stretch/>
+          </p:blipFill>
+          <p:spPr>
+            <a:xfrm>
+              <a:off x="93493" y="2323988"/>
+              <a:ext cx="447548" cy="432000"/>
+            </a:xfrm>
+            <a:prstGeom prst="rect">
+              <a:avLst/>
+            </a:prstGeom>
+          </p:spPr>
+        </p:pic>
+        <p:sp>
+          <p:nvSpPr>
+            <p:cNvPr id="80" name="文字方塊 79"/>
+            <p:cNvSpPr txBox="1"/>
+            <p:nvPr/>
+          </p:nvSpPr>
+          <p:spPr>
+            <a:xfrm>
+              <a:off x="534716" y="2262324"/>
+              <a:ext cx="1291298" cy="230832"/>
+            </a:xfrm>
+            <a:prstGeom prst="rect">
+              <a:avLst/>
+            </a:prstGeom>
+            <a:noFill/>
+          </p:spPr>
+          <p:txBody>
+            <a:bodyPr wrap="square" rtlCol="0">
+              <a:spAutoFit/>
+            </a:bodyPr>
+            <a:lstStyle/>
+            <a:p>
+              <a:r>
+                <a:rPr kumimoji="1" lang="en-US" altLang="zh-TW" b="1" dirty="0" smtClean="0">
+                  <a:solidFill>
+                    <a:srgbClr val="663333"/>
+                  </a:solidFill>
+                  <a:latin typeface="SFNS Display"/>
+                  <a:cs typeface="SFNS Display"/>
+                </a:rPr>
+                <a:t>Happy</a:t>
+              </a:r>
+              <a:endParaRPr kumimoji="1" lang="zh-TW" altLang="en-US" b="1" dirty="0">
+                <a:solidFill>
+                  <a:srgbClr val="663333"/>
+                </a:solidFill>
+                <a:latin typeface="SFNS Display"/>
+                <a:cs typeface="SFNS Display"/>
+              </a:endParaRPr>
+            </a:p>
+          </p:txBody>
+        </p:sp>
+        <p:sp>
+          <p:nvSpPr>
+            <p:cNvPr id="82" name="圓角矩形 81"/>
+            <p:cNvSpPr/>
+            <p:nvPr/>
+          </p:nvSpPr>
+          <p:spPr>
+            <a:xfrm>
+              <a:off x="620612" y="2600878"/>
+              <a:ext cx="610620" cy="117208"/>
+            </a:xfrm>
+            <a:prstGeom prst="roundRect">
+              <a:avLst/>
+            </a:prstGeom>
             <a:solidFill>
-              <a:schemeClr val="accent3">
-                <a:lumMod val="75000"/>
-              </a:schemeClr>
+              <a:srgbClr val="C4D59D"/>
             </a:solidFill>
-          </a:ln>
-          <a:effectLst/>
-        </p:spPr>
-        <p:style>
-          <a:lnRef idx="1">
-            <a:schemeClr val="accent1"/>
-          </a:lnRef>
-          <a:fillRef idx="3">
-            <a:schemeClr val="accent1"/>
-          </a:fillRef>
-          <a:effectRef idx="2">
-            <a:schemeClr val="accent1"/>
-          </a:effectRef>
-          <a:fontRef idx="minor">
-            <a:schemeClr val="lt1"/>
-          </a:fontRef>
-        </p:style>
-        <p:txBody>
-          <a:bodyPr lIns="36000" rIns="36000" rtlCol="0" anchor="ctr"/>
-          <a:lstStyle/>
-          <a:p>
-            <a:pPr algn="ctr"/>
-            <a:r>
-              <a:rPr kumimoji="1" lang="en-US" altLang="zh-TW" sz="500" dirty="0" smtClean="0">
+            <a:ln>
+              <a:solidFill>
+                <a:schemeClr val="accent3">
+                  <a:lumMod val="75000"/>
+                </a:schemeClr>
+              </a:solidFill>
+            </a:ln>
+            <a:effectLst/>
+          </p:spPr>
+          <p:style>
+            <a:lnRef idx="1">
+              <a:schemeClr val="accent1"/>
+            </a:lnRef>
+            <a:fillRef idx="3">
+              <a:schemeClr val="accent1"/>
+            </a:fillRef>
+            <a:effectRef idx="2">
+              <a:schemeClr val="accent1"/>
+            </a:effectRef>
+            <a:fontRef idx="minor">
+              <a:schemeClr val="lt1"/>
+            </a:fontRef>
+          </p:style>
+          <p:txBody>
+            <a:bodyPr lIns="36000" rIns="36000" rtlCol="0" anchor="ctr"/>
+            <a:lstStyle/>
+            <a:p>
+              <a:pPr algn="ctr"/>
+              <a:r>
+                <a:rPr kumimoji="1" lang="en-US" altLang="zh-TW" sz="500" dirty="0" smtClean="0">
+                  <a:solidFill>
+                    <a:srgbClr val="532529"/>
+                  </a:solidFill>
+                  <a:latin typeface="SFNS Display"/>
+                  <a:cs typeface="SFNS Display"/>
+                </a:rPr>
+                <a:t>More</a:t>
+              </a:r>
+              <a:r>
+                <a:rPr kumimoji="1" lang="zh-TW" altLang="en-US" sz="500" dirty="0" smtClean="0">
+                  <a:solidFill>
+                    <a:srgbClr val="532529"/>
+                  </a:solidFill>
+                  <a:latin typeface="SFNS Display"/>
+                  <a:cs typeface="SFNS Display"/>
+                </a:rPr>
+                <a:t> </a:t>
+              </a:r>
+              <a:r>
+                <a:rPr kumimoji="1" lang="en-US" altLang="zh-TW" sz="500" dirty="0" smtClean="0">
+                  <a:solidFill>
+                    <a:srgbClr val="532529"/>
+                  </a:solidFill>
+                  <a:latin typeface="SFNS Display"/>
+                  <a:cs typeface="SFNS Display"/>
+                </a:rPr>
+                <a:t>About</a:t>
+              </a:r>
+              <a:r>
+                <a:rPr kumimoji="1" lang="zh-TW" altLang="en-US" sz="500" dirty="0" smtClean="0">
+                  <a:solidFill>
+                    <a:srgbClr val="532529"/>
+                  </a:solidFill>
+                  <a:latin typeface="SFNS Display"/>
+                  <a:cs typeface="SFNS Display"/>
+                </a:rPr>
+                <a:t> </a:t>
+              </a:r>
+              <a:r>
+                <a:rPr kumimoji="1" lang="en-US" altLang="zh-TW" sz="500" dirty="0" smtClean="0">
+                  <a:solidFill>
+                    <a:srgbClr val="532529"/>
+                  </a:solidFill>
+                  <a:latin typeface="SFNS Display"/>
+                  <a:cs typeface="SFNS Display"/>
+                </a:rPr>
+                <a:t>Me</a:t>
+              </a:r>
+              <a:r>
+                <a:rPr kumimoji="1" lang="zh-TW" altLang="en-US" sz="500" dirty="0" smtClean="0">
+                  <a:solidFill>
+                    <a:srgbClr val="532529"/>
+                  </a:solidFill>
+                  <a:latin typeface="SFNS Display"/>
+                  <a:cs typeface="SFNS Display"/>
+                </a:rPr>
+                <a:t> </a:t>
+              </a:r>
+              <a:r>
+                <a:rPr kumimoji="1" lang="en-US" altLang="zh-TW" sz="500" dirty="0" smtClean="0">
+                  <a:solidFill>
+                    <a:srgbClr val="532529"/>
+                  </a:solidFill>
+                  <a:latin typeface="SFNS Display"/>
+                  <a:cs typeface="SFNS Display"/>
+                </a:rPr>
+                <a:t>&gt;&gt;</a:t>
+              </a:r>
+              <a:endParaRPr kumimoji="1" lang="zh-TW" altLang="en-US" sz="500" dirty="0">
                 <a:solidFill>
                   <a:srgbClr val="532529"/>
                 </a:solidFill>
                 <a:latin typeface="SFNS Display"/>
                 <a:cs typeface="SFNS Display"/>
-              </a:rPr>
-              <a:t>More</a:t>
-            </a:r>
-            <a:r>
-              <a:rPr kumimoji="1" lang="zh-TW" altLang="en-US" sz="500" dirty="0" smtClean="0">
+              </a:endParaRPr>
+            </a:p>
+          </p:txBody>
+        </p:sp>
+      </p:grpSp>
+      <p:grpSp>
+        <p:nvGrpSpPr>
+          <p:cNvPr id="7" name="群組 6"/>
+          <p:cNvGrpSpPr/>
+          <p:nvPr/>
+        </p:nvGrpSpPr>
+        <p:grpSpPr>
+          <a:xfrm>
+            <a:off x="90260" y="2800882"/>
+            <a:ext cx="1902194" cy="495105"/>
+            <a:chOff x="90260" y="2800882"/>
+            <a:chExt cx="1902194" cy="495105"/>
+          </a:xfrm>
+        </p:grpSpPr>
+        <p:pic>
+          <p:nvPicPr>
+            <p:cNvPr id="71" name="圖片 70" descr="garden-dog-pet.jpg"/>
+            <p:cNvPicPr>
+              <a:picLocks noChangeAspect="1"/>
+            </p:cNvPicPr>
+            <p:nvPr/>
+          </p:nvPicPr>
+          <p:blipFill rotWithShape="1">
+            <a:blip r:embed="rId9" cstate="email">
+              <a:extLst>
+                <a:ext uri="{28A0092B-C50C-407E-A947-70E740481C1C}">
+                  <a14:useLocalDpi xmlns:a14="http://schemas.microsoft.com/office/drawing/2010/main"/>
+                </a:ext>
+              </a:extLst>
+            </a:blip>
+            <a:srcRect/>
+            <a:stretch/>
+          </p:blipFill>
+          <p:spPr>
+            <a:xfrm>
+              <a:off x="90260" y="2863987"/>
+              <a:ext cx="450887" cy="432000"/>
+            </a:xfrm>
+            <a:prstGeom prst="rect">
+              <a:avLst/>
+            </a:prstGeom>
+          </p:spPr>
+        </p:pic>
+        <p:sp>
+          <p:nvSpPr>
+            <p:cNvPr id="83" name="文字方塊 82"/>
+            <p:cNvSpPr txBox="1"/>
+            <p:nvPr/>
+          </p:nvSpPr>
+          <p:spPr>
+            <a:xfrm>
+              <a:off x="540336" y="2800882"/>
+              <a:ext cx="1291298" cy="230832"/>
+            </a:xfrm>
+            <a:prstGeom prst="rect">
+              <a:avLst/>
+            </a:prstGeom>
+            <a:noFill/>
+          </p:spPr>
+          <p:txBody>
+            <a:bodyPr wrap="square" rtlCol="0">
+              <a:spAutoFit/>
+            </a:bodyPr>
+            <a:lstStyle/>
+            <a:p>
+              <a:r>
+                <a:rPr kumimoji="1" lang="en-US" altLang="zh-TW" b="1" dirty="0" smtClean="0">
+                  <a:solidFill>
+                    <a:srgbClr val="663333"/>
+                  </a:solidFill>
+                  <a:latin typeface="SFNS Display"/>
+                  <a:cs typeface="SFNS Display"/>
+                </a:rPr>
+                <a:t>Myra</a:t>
+              </a:r>
+              <a:endParaRPr kumimoji="1" lang="zh-TW" altLang="en-US" b="1" dirty="0">
+                <a:solidFill>
+                  <a:srgbClr val="663333"/>
+                </a:solidFill>
+                <a:latin typeface="SFNS Display"/>
+                <a:cs typeface="SFNS Display"/>
+              </a:endParaRPr>
+            </a:p>
+          </p:txBody>
+        </p:sp>
+        <p:sp>
+          <p:nvSpPr>
+            <p:cNvPr id="84" name="文字方塊 83"/>
+            <p:cNvSpPr txBox="1"/>
+            <p:nvPr/>
+          </p:nvSpPr>
+          <p:spPr>
+            <a:xfrm>
+              <a:off x="553920" y="2946178"/>
+              <a:ext cx="1438534" cy="200055"/>
+            </a:xfrm>
+            <a:prstGeom prst="rect">
+              <a:avLst/>
+            </a:prstGeom>
+            <a:noFill/>
+          </p:spPr>
+          <p:txBody>
+            <a:bodyPr wrap="square" rtlCol="0">
+              <a:spAutoFit/>
+            </a:bodyPr>
+            <a:lstStyle/>
+            <a:p>
+              <a:pPr latinLnBrk="1"/>
+              <a:r>
+                <a:rPr kumimoji="1" lang="en-US" altLang="zh-TW" sz="700" i="1" dirty="0">
+                  <a:solidFill>
+                    <a:srgbClr val="943F43"/>
+                  </a:solidFill>
+                  <a:latin typeface="SFNS Display"/>
+                  <a:cs typeface="SFNS Display"/>
+                </a:rPr>
+                <a:t>Yorkshire Terrier</a:t>
+              </a:r>
+              <a:endParaRPr kumimoji="1" lang="zh-TW" altLang="en-US" sz="700" i="1" dirty="0">
+                <a:solidFill>
+                  <a:srgbClr val="943F43"/>
+                </a:solidFill>
+                <a:latin typeface="SFNS Display"/>
+                <a:cs typeface="SFNS Display"/>
+              </a:endParaRPr>
+            </a:p>
+          </p:txBody>
+        </p:sp>
+        <p:sp>
+          <p:nvSpPr>
+            <p:cNvPr id="85" name="圓角矩形 84"/>
+            <p:cNvSpPr/>
+            <p:nvPr/>
+          </p:nvSpPr>
+          <p:spPr>
+            <a:xfrm>
+              <a:off x="626232" y="3139436"/>
+              <a:ext cx="610620" cy="117208"/>
+            </a:xfrm>
+            <a:prstGeom prst="roundRect">
+              <a:avLst/>
+            </a:prstGeom>
+            <a:solidFill>
+              <a:srgbClr val="C4D59D"/>
+            </a:solidFill>
+            <a:ln>
+              <a:solidFill>
+                <a:schemeClr val="accent3">
+                  <a:lumMod val="75000"/>
+                </a:schemeClr>
+              </a:solidFill>
+            </a:ln>
+            <a:effectLst/>
+          </p:spPr>
+          <p:style>
+            <a:lnRef idx="1">
+              <a:schemeClr val="accent1"/>
+            </a:lnRef>
+            <a:fillRef idx="3">
+              <a:schemeClr val="accent1"/>
+            </a:fillRef>
+            <a:effectRef idx="2">
+              <a:schemeClr val="accent1"/>
+            </a:effectRef>
+            <a:fontRef idx="minor">
+              <a:schemeClr val="lt1"/>
+            </a:fontRef>
+          </p:style>
+          <p:txBody>
+            <a:bodyPr lIns="36000" rIns="36000" rtlCol="0" anchor="ctr"/>
+            <a:lstStyle/>
+            <a:p>
+              <a:pPr algn="ctr"/>
+              <a:r>
+                <a:rPr kumimoji="1" lang="en-US" altLang="zh-TW" sz="500" dirty="0" smtClean="0">
+                  <a:solidFill>
+                    <a:srgbClr val="532529"/>
+                  </a:solidFill>
+                  <a:latin typeface="SFNS Display"/>
+                  <a:cs typeface="SFNS Display"/>
+                </a:rPr>
+                <a:t>More</a:t>
+              </a:r>
+              <a:r>
+                <a:rPr kumimoji="1" lang="zh-TW" altLang="en-US" sz="500" dirty="0" smtClean="0">
+                  <a:solidFill>
+                    <a:srgbClr val="532529"/>
+                  </a:solidFill>
+                  <a:latin typeface="SFNS Display"/>
+                  <a:cs typeface="SFNS Display"/>
+                </a:rPr>
+                <a:t> </a:t>
+              </a:r>
+              <a:r>
+                <a:rPr kumimoji="1" lang="en-US" altLang="zh-TW" sz="500" dirty="0" smtClean="0">
+                  <a:solidFill>
+                    <a:srgbClr val="532529"/>
+                  </a:solidFill>
+                  <a:latin typeface="SFNS Display"/>
+                  <a:cs typeface="SFNS Display"/>
+                </a:rPr>
+                <a:t>About</a:t>
+              </a:r>
+              <a:r>
+                <a:rPr kumimoji="1" lang="zh-TW" altLang="en-US" sz="500" dirty="0" smtClean="0">
+                  <a:solidFill>
+                    <a:srgbClr val="532529"/>
+                  </a:solidFill>
+                  <a:latin typeface="SFNS Display"/>
+                  <a:cs typeface="SFNS Display"/>
+                </a:rPr>
+                <a:t> </a:t>
+              </a:r>
+              <a:r>
+                <a:rPr kumimoji="1" lang="en-US" altLang="zh-TW" sz="500" dirty="0" smtClean="0">
+                  <a:solidFill>
+                    <a:srgbClr val="532529"/>
+                  </a:solidFill>
+                  <a:latin typeface="SFNS Display"/>
+                  <a:cs typeface="SFNS Display"/>
+                </a:rPr>
+                <a:t>Me</a:t>
+              </a:r>
+              <a:r>
+                <a:rPr kumimoji="1" lang="zh-TW" altLang="en-US" sz="500" dirty="0" smtClean="0">
+                  <a:solidFill>
+                    <a:srgbClr val="532529"/>
+                  </a:solidFill>
+                  <a:latin typeface="SFNS Display"/>
+                  <a:cs typeface="SFNS Display"/>
+                </a:rPr>
+                <a:t> </a:t>
+              </a:r>
+              <a:r>
+                <a:rPr kumimoji="1" lang="en-US" altLang="zh-TW" sz="500" dirty="0" smtClean="0">
+                  <a:solidFill>
+                    <a:srgbClr val="532529"/>
+                  </a:solidFill>
+                  <a:latin typeface="SFNS Display"/>
+                  <a:cs typeface="SFNS Display"/>
+                </a:rPr>
+                <a:t>&gt;&gt;</a:t>
+              </a:r>
+              <a:endParaRPr kumimoji="1" lang="zh-TW" altLang="en-US" sz="500" dirty="0">
                 <a:solidFill>
                   <a:srgbClr val="532529"/>
                 </a:solidFill>
                 <a:latin typeface="SFNS Display"/>
                 <a:cs typeface="SFNS Display"/>
-              </a:rPr>
-              <a:t> </a:t>
-            </a:r>
-            <a:r>
-              <a:rPr kumimoji="1" lang="en-US" altLang="zh-TW" sz="500" dirty="0" smtClean="0">
-                <a:solidFill>
-                  <a:srgbClr val="532529"/>
-                </a:solidFill>
-                <a:latin typeface="SFNS Display"/>
-                <a:cs typeface="SFNS Display"/>
-              </a:rPr>
-              <a:t>About</a:t>
-            </a:r>
-            <a:r>
-              <a:rPr kumimoji="1" lang="zh-TW" altLang="en-US" sz="500" dirty="0" smtClean="0">
-                <a:solidFill>
-                  <a:srgbClr val="532529"/>
-                </a:solidFill>
-                <a:latin typeface="SFNS Display"/>
-                <a:cs typeface="SFNS Display"/>
-              </a:rPr>
-              <a:t> </a:t>
-            </a:r>
-            <a:r>
-              <a:rPr kumimoji="1" lang="en-US" altLang="zh-TW" sz="500" dirty="0" smtClean="0">
-                <a:solidFill>
-                  <a:srgbClr val="532529"/>
-                </a:solidFill>
-                <a:latin typeface="SFNS Display"/>
-                <a:cs typeface="SFNS Display"/>
-              </a:rPr>
-              <a:t>Me</a:t>
-            </a:r>
-            <a:r>
-              <a:rPr kumimoji="1" lang="zh-TW" altLang="en-US" sz="500" dirty="0" smtClean="0">
-                <a:solidFill>
-                  <a:srgbClr val="532529"/>
-                </a:solidFill>
-                <a:latin typeface="SFNS Display"/>
-                <a:cs typeface="SFNS Display"/>
-              </a:rPr>
-              <a:t> </a:t>
-            </a:r>
-            <a:r>
-              <a:rPr kumimoji="1" lang="en-US" altLang="zh-TW" sz="500" dirty="0" smtClean="0">
-                <a:solidFill>
-                  <a:srgbClr val="532529"/>
-                </a:solidFill>
-                <a:latin typeface="SFNS Display"/>
-                <a:cs typeface="SFNS Display"/>
-              </a:rPr>
-              <a:t>&gt;&gt;</a:t>
-            </a:r>
-            <a:endParaRPr kumimoji="1" lang="zh-TW" altLang="en-US" sz="500" dirty="0">
-              <a:solidFill>
-                <a:srgbClr val="532529"/>
-              </a:solidFill>
-              <a:latin typeface="SFNS Display"/>
-              <a:cs typeface="SFNS Display"/>
-            </a:endParaRPr>
-          </a:p>
-        </p:txBody>
-      </p:sp>
-      <p:sp>
-        <p:nvSpPr>
-          <p:cNvPr id="83" name="文字方塊 82"/>
-          <p:cNvSpPr txBox="1"/>
-          <p:nvPr/>
-        </p:nvSpPr>
-        <p:spPr>
-          <a:xfrm>
-            <a:off x="540336" y="2800882"/>
-            <a:ext cx="1291298" cy="230832"/>
-          </a:xfrm>
-          <a:prstGeom prst="rect">
-            <a:avLst/>
-          </a:prstGeom>
-          <a:noFill/>
-        </p:spPr>
-        <p:txBody>
-          <a:bodyPr wrap="square" rtlCol="0">
-            <a:spAutoFit/>
-          </a:bodyPr>
-          <a:lstStyle/>
-          <a:p>
-            <a:r>
-              <a:rPr kumimoji="1" lang="en-US" altLang="zh-TW" b="1" dirty="0" smtClean="0">
-                <a:solidFill>
-                  <a:srgbClr val="663333"/>
-                </a:solidFill>
-                <a:latin typeface="SFNS Display"/>
-                <a:cs typeface="SFNS Display"/>
-              </a:rPr>
-              <a:t>Myra</a:t>
-            </a:r>
-            <a:endParaRPr kumimoji="1" lang="zh-TW" altLang="en-US" b="1" dirty="0">
-              <a:solidFill>
-                <a:srgbClr val="663333"/>
-              </a:solidFill>
-              <a:latin typeface="SFNS Display"/>
-              <a:cs typeface="SFNS Display"/>
-            </a:endParaRPr>
-          </a:p>
-        </p:txBody>
-      </p:sp>
-      <p:sp>
-        <p:nvSpPr>
-          <p:cNvPr id="84" name="文字方塊 83"/>
-          <p:cNvSpPr txBox="1"/>
-          <p:nvPr/>
-        </p:nvSpPr>
-        <p:spPr>
-          <a:xfrm>
-            <a:off x="553920" y="2946178"/>
-            <a:ext cx="1438534" cy="200055"/>
-          </a:xfrm>
-          <a:prstGeom prst="rect">
-            <a:avLst/>
-          </a:prstGeom>
-          <a:noFill/>
-        </p:spPr>
-        <p:txBody>
-          <a:bodyPr wrap="square" rtlCol="0">
-            <a:spAutoFit/>
-          </a:bodyPr>
-          <a:lstStyle/>
-          <a:p>
-            <a:pPr latinLnBrk="1"/>
-            <a:r>
-              <a:rPr kumimoji="1" lang="en-US" altLang="zh-TW" sz="700" i="1" dirty="0">
-                <a:solidFill>
-                  <a:srgbClr val="943F43"/>
-                </a:solidFill>
-                <a:latin typeface="SFNS Display"/>
-                <a:cs typeface="SFNS Display"/>
-              </a:rPr>
-              <a:t>Yorkshire Terrier</a:t>
-            </a:r>
-            <a:endParaRPr kumimoji="1" lang="zh-TW" altLang="en-US" sz="700" i="1" dirty="0">
-              <a:solidFill>
-                <a:srgbClr val="943F43"/>
-              </a:solidFill>
-              <a:latin typeface="SFNS Display"/>
-              <a:cs typeface="SFNS Display"/>
-            </a:endParaRPr>
-          </a:p>
-        </p:txBody>
-      </p:sp>
-      <p:sp>
-        <p:nvSpPr>
-          <p:cNvPr id="85" name="圓角矩形 84"/>
-          <p:cNvSpPr/>
-          <p:nvPr/>
-        </p:nvSpPr>
-        <p:spPr>
-          <a:xfrm>
-            <a:off x="626232" y="3139436"/>
-            <a:ext cx="610620" cy="117208"/>
-          </a:xfrm>
-          <a:prstGeom prst="roundRect">
-            <a:avLst/>
-          </a:prstGeom>
-          <a:solidFill>
-            <a:srgbClr val="C4D59D"/>
-          </a:solidFill>
-          <a:ln>
-            <a:solidFill>
-              <a:schemeClr val="accent3">
-                <a:lumMod val="75000"/>
-              </a:schemeClr>
-            </a:solidFill>
-          </a:ln>
-          <a:effectLst/>
-        </p:spPr>
-        <p:style>
-          <a:lnRef idx="1">
-            <a:schemeClr val="accent1"/>
-          </a:lnRef>
-          <a:fillRef idx="3">
-            <a:schemeClr val="accent1"/>
-          </a:fillRef>
-          <a:effectRef idx="2">
-            <a:schemeClr val="accent1"/>
-          </a:effectRef>
-          <a:fontRef idx="minor">
-            <a:schemeClr val="lt1"/>
-          </a:fontRef>
-        </p:style>
-        <p:txBody>
-          <a:bodyPr lIns="36000" rIns="36000" rtlCol="0" anchor="ctr"/>
-          <a:lstStyle/>
-          <a:p>
-            <a:pPr algn="ctr"/>
-            <a:r>
-              <a:rPr kumimoji="1" lang="en-US" altLang="zh-TW" sz="500" dirty="0" smtClean="0">
-                <a:solidFill>
-                  <a:srgbClr val="532529"/>
-                </a:solidFill>
-                <a:latin typeface="SFNS Display"/>
-                <a:cs typeface="SFNS Display"/>
-              </a:rPr>
-              <a:t>More</a:t>
-            </a:r>
-            <a:r>
-              <a:rPr kumimoji="1" lang="zh-TW" altLang="en-US" sz="500" dirty="0" smtClean="0">
-                <a:solidFill>
-                  <a:srgbClr val="532529"/>
-                </a:solidFill>
-                <a:latin typeface="SFNS Display"/>
-                <a:cs typeface="SFNS Display"/>
-              </a:rPr>
-              <a:t> </a:t>
-            </a:r>
-            <a:r>
-              <a:rPr kumimoji="1" lang="en-US" altLang="zh-TW" sz="500" dirty="0" smtClean="0">
-                <a:solidFill>
-                  <a:srgbClr val="532529"/>
-                </a:solidFill>
-                <a:latin typeface="SFNS Display"/>
-                <a:cs typeface="SFNS Display"/>
-              </a:rPr>
-              <a:t>About</a:t>
-            </a:r>
-            <a:r>
-              <a:rPr kumimoji="1" lang="zh-TW" altLang="en-US" sz="500" dirty="0" smtClean="0">
-                <a:solidFill>
-                  <a:srgbClr val="532529"/>
-                </a:solidFill>
-                <a:latin typeface="SFNS Display"/>
-                <a:cs typeface="SFNS Display"/>
-              </a:rPr>
-              <a:t> </a:t>
-            </a:r>
-            <a:r>
-              <a:rPr kumimoji="1" lang="en-US" altLang="zh-TW" sz="500" dirty="0" smtClean="0">
-                <a:solidFill>
-                  <a:srgbClr val="532529"/>
-                </a:solidFill>
-                <a:latin typeface="SFNS Display"/>
-                <a:cs typeface="SFNS Display"/>
-              </a:rPr>
-              <a:t>Me</a:t>
-            </a:r>
-            <a:r>
-              <a:rPr kumimoji="1" lang="zh-TW" altLang="en-US" sz="500" dirty="0" smtClean="0">
-                <a:solidFill>
-                  <a:srgbClr val="532529"/>
-                </a:solidFill>
-                <a:latin typeface="SFNS Display"/>
-                <a:cs typeface="SFNS Display"/>
-              </a:rPr>
-              <a:t> </a:t>
-            </a:r>
-            <a:r>
-              <a:rPr kumimoji="1" lang="en-US" altLang="zh-TW" sz="500" dirty="0" smtClean="0">
-                <a:solidFill>
-                  <a:srgbClr val="532529"/>
-                </a:solidFill>
-                <a:latin typeface="SFNS Display"/>
-                <a:cs typeface="SFNS Display"/>
-              </a:rPr>
-              <a:t>&gt;&gt;</a:t>
-            </a:r>
-            <a:endParaRPr kumimoji="1" lang="zh-TW" altLang="en-US" sz="500" dirty="0">
-              <a:solidFill>
-                <a:srgbClr val="532529"/>
-              </a:solidFill>
-              <a:latin typeface="SFNS Display"/>
-              <a:cs typeface="SFNS Display"/>
-            </a:endParaRPr>
-          </a:p>
-        </p:txBody>
-      </p:sp>
+              </a:endParaRPr>
+            </a:p>
+          </p:txBody>
+        </p:sp>
+      </p:grpSp>
       <p:sp>
         <p:nvSpPr>
           <p:cNvPr id="86" name="矩形 85"/>
@@ -4550,6 +4568,48 @@
           </a:prstGeom>
         </p:spPr>
       </p:pic>
+      <p:sp>
+        <p:nvSpPr>
+          <p:cNvPr id="36" name="文字方塊 35"/>
+          <p:cNvSpPr txBox="1"/>
+          <p:nvPr/>
+        </p:nvSpPr>
+        <p:spPr>
+          <a:xfrm>
+            <a:off x="527601" y="2235012"/>
+            <a:ext cx="1291298" cy="230832"/>
+          </a:xfrm>
+          <a:prstGeom prst="rect">
+            <a:avLst/>
+          </a:prstGeom>
+          <a:noFill/>
+        </p:spPr>
+        <p:txBody>
+          <a:bodyPr wrap="square" rtlCol="0">
+            <a:spAutoFit/>
+          </a:bodyPr>
+          <a:lstStyle/>
+          <a:p>
+            <a:r>
+              <a:rPr kumimoji="1" lang="en-US" altLang="zh-TW" b="1" dirty="0">
+                <a:solidFill>
+                  <a:srgbClr val="663333"/>
+                </a:solidFill>
+                <a:latin typeface="SFNS Display"/>
+                <a:cs typeface="SFNS Display"/>
+              </a:rPr>
+              <a:t>Cathy</a:t>
+            </a:r>
+            <a:endParaRPr kumimoji="1" lang="zh-TW" altLang="en-US" b="1" dirty="0">
+              <a:solidFill>
+                <a:srgbClr val="663333"/>
+              </a:solidFill>
+              <a:latin typeface="SFNS Display"/>
+              <a:cs typeface="SFNS Display"/>
+            </a:endParaRPr>
+          </a:p>
+        </p:txBody>
+      </p:sp>
     </p:spTree>
     <p:extLst>
       <p:ext uri="{BB962C8B-B14F-4D97-AF65-F5344CB8AC3E}">
